--- a/基础PPT/第3章：Java数组简介.pptx
+++ b/基础PPT/第3章：Java数组简介.pptx
@@ -5,20 +5,19 @@
     <p:sldMasterId id="2147483648" r:id="rId1"/>
   </p:sldMasterIdLst>
   <p:notesMasterIdLst>
-    <p:notesMasterId r:id="rId14"/>
+    <p:notesMasterId r:id="rId13"/>
   </p:notesMasterIdLst>
   <p:sldIdLst>
     <p:sldId id="660" r:id="rId3"/>
-    <p:sldId id="661" r:id="rId4"/>
-    <p:sldId id="681" r:id="rId5"/>
-    <p:sldId id="682" r:id="rId6"/>
-    <p:sldId id="683" r:id="rId7"/>
-    <p:sldId id="684" r:id="rId8"/>
-    <p:sldId id="685" r:id="rId9"/>
-    <p:sldId id="686" r:id="rId10"/>
+    <p:sldId id="690" r:id="rId4"/>
+    <p:sldId id="661" r:id="rId5"/>
+    <p:sldId id="681" r:id="rId6"/>
+    <p:sldId id="682" r:id="rId7"/>
+    <p:sldId id="683" r:id="rId8"/>
+    <p:sldId id="684" r:id="rId9"/>
+    <p:sldId id="685" r:id="rId10"/>
     <p:sldId id="687" r:id="rId11"/>
-    <p:sldId id="688" r:id="rId12"/>
-    <p:sldId id="662" r:id="rId13"/>
+    <p:sldId id="662" r:id="rId12"/>
   </p:sldIdLst>
   <p:sldSz cx="12192000" cy="6858000"/>
   <p:notesSz cx="6858000" cy="9144000"/>
@@ -6374,38 +6373,6 @@
 </p:sld>
 </file>
 
-<file path=ppt/slides/slide11.xml><?xml version="1.0" encoding="utf-8"?>
-<p:sld xmlns:a="http://schemas.openxmlformats.org/drawingml/2006/main" xmlns:r="http://schemas.openxmlformats.org/officeDocument/2006/relationships" xmlns:p="http://schemas.openxmlformats.org/presentationml/2006/main">
-  <p:cSld>
-    <p:bg>
-      <p:bgPr>
-        <a:blipFill rotWithShape="1">
-          <a:blip r:embed="rId1"/>
-          <a:stretch>
-            <a:fillRect/>
-          </a:stretch>
-        </a:blipFill>
-        <a:effectLst/>
-      </p:bgPr>
-    </p:bg>
-    <p:spTree>
-      <p:nvGrpSpPr>
-        <p:cNvPr id="1" name=""/>
-        <p:cNvGrpSpPr/>
-        <p:nvPr/>
-      </p:nvGrpSpPr>
-      <p:grpSpPr/>
-    </p:spTree>
-    <p:custDataLst>
-      <p:tags r:id="rId2"/>
-    </p:custDataLst>
-  </p:cSld>
-  <p:clrMapOvr>
-    <a:masterClrMapping/>
-  </p:clrMapOvr>
-</p:sld>
-</file>
-
 <file path=ppt/slides/slide2.xml><?xml version="1.0" encoding="utf-8"?>
 <p:sld xmlns:a="http://schemas.openxmlformats.org/drawingml/2006/main" xmlns:r="http://schemas.openxmlformats.org/officeDocument/2006/relationships" xmlns:p="http://schemas.openxmlformats.org/presentationml/2006/main">
   <p:cSld>
@@ -6435,8 +6402,8 @@
         </p:nvSpPr>
         <p:spPr>
           <a:xfrm>
-            <a:off x="158750" y="849630"/>
-            <a:ext cx="11867515" cy="5754370"/>
+            <a:off x="20955" y="1456690"/>
+            <a:ext cx="11867515" cy="3138170"/>
           </a:xfrm>
           <a:prstGeom prst="rect">
             <a:avLst/>
@@ -6449,14 +6416,14 @@
           </a:bodyPr>
           <a:p>
             <a:r>
-              <a:rPr sz="1600">
+              <a:rPr>
                 <a:latin typeface="宋体" panose="02010600030101010101" pitchFamily="2" charset="-122"/>
                 <a:ea typeface="宋体" panose="02010600030101010101" pitchFamily="2" charset="-122"/>
                 <a:cs typeface="宋体" panose="02010600030101010101" pitchFamily="2" charset="-122"/>
               </a:rPr>
               <a:t>数组的定义：</a:t>
             </a:r>
-            <a:endParaRPr sz="1600">
+            <a:endParaRPr>
               <a:latin typeface="宋体" panose="02010600030101010101" pitchFamily="2" charset="-122"/>
               <a:ea typeface="宋体" panose="02010600030101010101" pitchFamily="2" charset="-122"/>
               <a:cs typeface="宋体" panose="02010600030101010101" pitchFamily="2" charset="-122"/>
@@ -6464,14 +6431,14 @@
           </a:p>
           <a:p>
             <a:r>
-              <a:rPr sz="1600">
+              <a:rPr>
                 <a:latin typeface="宋体" panose="02010600030101010101" pitchFamily="2" charset="-122"/>
                 <a:ea typeface="宋体" panose="02010600030101010101" pitchFamily="2" charset="-122"/>
                 <a:cs typeface="宋体" panose="02010600030101010101" pitchFamily="2" charset="-122"/>
               </a:rPr>
               <a:t>　　数组是相同类型数据的有序集合。数组描述的是相同类型的若干个数据，按照一定的先后次序排列组合而成。其中，每一个数据称作一个元素，每个元素可以通过一个索引(下标)来访问它们。</a:t>
             </a:r>
-            <a:endParaRPr sz="1600">
+            <a:endParaRPr>
               <a:latin typeface="宋体" panose="02010600030101010101" pitchFamily="2" charset="-122"/>
               <a:ea typeface="宋体" panose="02010600030101010101" pitchFamily="2" charset="-122"/>
               <a:cs typeface="宋体" panose="02010600030101010101" pitchFamily="2" charset="-122"/>
@@ -6479,14 +6446,14 @@
           </a:p>
           <a:p>
             <a:r>
-              <a:rPr sz="1600">
+              <a:rPr>
                 <a:latin typeface="宋体" panose="02010600030101010101" pitchFamily="2" charset="-122"/>
                 <a:ea typeface="宋体" panose="02010600030101010101" pitchFamily="2" charset="-122"/>
                 <a:cs typeface="宋体" panose="02010600030101010101" pitchFamily="2" charset="-122"/>
               </a:rPr>
               <a:t>数组的基本特点：</a:t>
             </a:r>
-            <a:endParaRPr sz="1600">
+            <a:endParaRPr>
               <a:latin typeface="宋体" panose="02010600030101010101" pitchFamily="2" charset="-122"/>
               <a:ea typeface="宋体" panose="02010600030101010101" pitchFamily="2" charset="-122"/>
               <a:cs typeface="宋体" panose="02010600030101010101" pitchFamily="2" charset="-122"/>
@@ -6494,7 +6461,7 @@
           </a:p>
           <a:p>
             <a:r>
-              <a:rPr sz="1600">
+              <a:rPr>
                 <a:latin typeface="宋体" panose="02010600030101010101" pitchFamily="2" charset="-122"/>
                 <a:ea typeface="宋体" panose="02010600030101010101" pitchFamily="2" charset="-122"/>
                 <a:cs typeface="宋体" panose="02010600030101010101" pitchFamily="2" charset="-122"/>
@@ -6502,7 +6469,7 @@
               <a:t>1. </a:t>
             </a:r>
             <a:r>
-              <a:rPr sz="1600">
+              <a:rPr>
                 <a:solidFill>
                   <a:srgbClr val="FF0000"/>
                 </a:solidFill>
@@ -6513,14 +6480,14 @@
               <a:t>长度是确定的</a:t>
             </a:r>
             <a:r>
-              <a:rPr sz="1600">
+              <a:rPr>
                 <a:latin typeface="宋体" panose="02010600030101010101" pitchFamily="2" charset="-122"/>
                 <a:ea typeface="宋体" panose="02010600030101010101" pitchFamily="2" charset="-122"/>
                 <a:cs typeface="宋体" panose="02010600030101010101" pitchFamily="2" charset="-122"/>
               </a:rPr>
               <a:t>。数组一旦被创建，它的大小就是不可以改变的。</a:t>
             </a:r>
-            <a:endParaRPr sz="1600">
+            <a:endParaRPr>
               <a:latin typeface="宋体" panose="02010600030101010101" pitchFamily="2" charset="-122"/>
               <a:ea typeface="宋体" panose="02010600030101010101" pitchFamily="2" charset="-122"/>
               <a:cs typeface="宋体" panose="02010600030101010101" pitchFamily="2" charset="-122"/>
@@ -6528,7 +6495,7 @@
           </a:p>
           <a:p>
             <a:r>
-              <a:rPr sz="1600">
+              <a:rPr>
                 <a:latin typeface="宋体" panose="02010600030101010101" pitchFamily="2" charset="-122"/>
                 <a:ea typeface="宋体" panose="02010600030101010101" pitchFamily="2" charset="-122"/>
                 <a:cs typeface="宋体" panose="02010600030101010101" pitchFamily="2" charset="-122"/>
@@ -6536,7 +6503,7 @@
               <a:t>2. 其元素必须是</a:t>
             </a:r>
             <a:r>
-              <a:rPr sz="1600">
+              <a:rPr>
                 <a:solidFill>
                   <a:srgbClr val="FF0000"/>
                 </a:solidFill>
@@ -6547,14 +6514,14 @@
               <a:t>相同类型</a:t>
             </a:r>
             <a:r>
-              <a:rPr sz="1600">
+              <a:rPr>
                 <a:latin typeface="宋体" panose="02010600030101010101" pitchFamily="2" charset="-122"/>
                 <a:ea typeface="宋体" panose="02010600030101010101" pitchFamily="2" charset="-122"/>
                 <a:cs typeface="宋体" panose="02010600030101010101" pitchFamily="2" charset="-122"/>
               </a:rPr>
               <a:t>，不允许出现混合类型。元素的类型可以是java 支持的任意类型</a:t>
             </a:r>
-            <a:endParaRPr sz="1600">
+            <a:endParaRPr>
               <a:latin typeface="宋体" panose="02010600030101010101" pitchFamily="2" charset="-122"/>
               <a:ea typeface="宋体" panose="02010600030101010101" pitchFamily="2" charset="-122"/>
               <a:cs typeface="宋体" panose="02010600030101010101" pitchFamily="2" charset="-122"/>
@@ -6562,14 +6529,14 @@
           </a:p>
           <a:p>
             <a:r>
-              <a:rPr sz="1600">
+              <a:rPr>
                 <a:latin typeface="宋体" panose="02010600030101010101" pitchFamily="2" charset="-122"/>
                 <a:ea typeface="宋体" panose="02010600030101010101" pitchFamily="2" charset="-122"/>
                 <a:cs typeface="宋体" panose="02010600030101010101" pitchFamily="2" charset="-122"/>
               </a:rPr>
               <a:t>3. 数组类型可以是任何数据类型，包括基本类型和引用类型。</a:t>
             </a:r>
-            <a:endParaRPr sz="1600">
+            <a:endParaRPr>
               <a:latin typeface="宋体" panose="02010600030101010101" pitchFamily="2" charset="-122"/>
               <a:ea typeface="宋体" panose="02010600030101010101" pitchFamily="2" charset="-122"/>
               <a:cs typeface="宋体" panose="02010600030101010101" pitchFamily="2" charset="-122"/>
@@ -6577,7 +6544,7 @@
           </a:p>
           <a:p>
             <a:r>
-              <a:rPr sz="1600">
+              <a:rPr>
                 <a:latin typeface="宋体" panose="02010600030101010101" pitchFamily="2" charset="-122"/>
                 <a:ea typeface="宋体" panose="02010600030101010101" pitchFamily="2" charset="-122"/>
                 <a:cs typeface="宋体" panose="02010600030101010101" pitchFamily="2" charset="-122"/>
@@ -6585,7 +6552,7 @@
               <a:t>4. 数组的元素在堆内存中被分配空间，并且是</a:t>
             </a:r>
             <a:r>
-              <a:rPr sz="1600">
+              <a:rPr>
                 <a:solidFill>
                   <a:srgbClr val="FF0000"/>
                 </a:solidFill>
@@ -6595,7 +6562,7 @@
               </a:rPr>
               <a:t>连续分配的</a:t>
             </a:r>
-            <a:endParaRPr sz="1600">
+            <a:endParaRPr>
               <a:latin typeface="宋体" panose="02010600030101010101" pitchFamily="2" charset="-122"/>
               <a:ea typeface="宋体" panose="02010600030101010101" pitchFamily="2" charset="-122"/>
               <a:cs typeface="宋体" panose="02010600030101010101" pitchFamily="2" charset="-122"/>
@@ -6603,14 +6570,14 @@
           </a:p>
           <a:p>
             <a:r>
-              <a:rPr sz="1600">
+              <a:rPr>
                 <a:latin typeface="宋体" panose="02010600030101010101" pitchFamily="2" charset="-122"/>
                 <a:ea typeface="宋体" panose="02010600030101010101" pitchFamily="2" charset="-122"/>
                 <a:cs typeface="宋体" panose="02010600030101010101" pitchFamily="2" charset="-122"/>
               </a:rPr>
               <a:t>5. 使用new 关键字对数组进行 内存的分配。每个元素都会被jvm 赋予默认值。默认规则：整数：0 浮点数：0.0 字符：\u0000 布尔：false 引用数据类型：null。</a:t>
             </a:r>
-            <a:endParaRPr sz="1600">
+            <a:endParaRPr>
               <a:latin typeface="宋体" panose="02010600030101010101" pitchFamily="2" charset="-122"/>
               <a:ea typeface="宋体" panose="02010600030101010101" pitchFamily="2" charset="-122"/>
               <a:cs typeface="宋体" panose="02010600030101010101" pitchFamily="2" charset="-122"/>
@@ -6618,7 +6585,7 @@
           </a:p>
           <a:p>
             <a:r>
-              <a:rPr sz="1600">
+              <a:rPr>
                 <a:latin typeface="宋体" panose="02010600030101010101" pitchFamily="2" charset="-122"/>
                 <a:ea typeface="宋体" panose="02010600030101010101" pitchFamily="2" charset="-122"/>
                 <a:cs typeface="宋体" panose="02010600030101010101" pitchFamily="2" charset="-122"/>
@@ -6626,7 +6593,7 @@
               <a:t>6. 数组的元素都是有序号的，</a:t>
             </a:r>
             <a:r>
-              <a:rPr sz="1600">
+              <a:rPr>
                 <a:solidFill>
                   <a:srgbClr val="FF0000"/>
                 </a:solidFill>
@@ -6637,198 +6604,48 @@
               <a:t>序号从0开始</a:t>
             </a:r>
             <a:r>
-              <a:rPr sz="1600">
+              <a:rPr>
                 <a:latin typeface="宋体" panose="02010600030101010101" pitchFamily="2" charset="-122"/>
                 <a:ea typeface="宋体" panose="02010600030101010101" pitchFamily="2" charset="-122"/>
                 <a:cs typeface="宋体" panose="02010600030101010101" pitchFamily="2" charset="-122"/>
               </a:rPr>
               <a:t>，0序的。称作数组的下标、索引、角标</a:t>
             </a:r>
-            <a:endParaRPr sz="1600">
+            <a:endParaRPr>
               <a:latin typeface="宋体" panose="02010600030101010101" pitchFamily="2" charset="-122"/>
               <a:ea typeface="宋体" panose="02010600030101010101" pitchFamily="2" charset="-122"/>
               <a:cs typeface="宋体" panose="02010600030101010101" pitchFamily="2" charset="-122"/>
             </a:endParaRPr>
           </a:p>
-          <a:p>
-            <a:r>
-              <a:rPr sz="1600">
-                <a:latin typeface="宋体" panose="02010600030101010101" pitchFamily="2" charset="-122"/>
-                <a:ea typeface="宋体" panose="02010600030101010101" pitchFamily="2" charset="-122"/>
-                <a:cs typeface="宋体" panose="02010600030101010101" pitchFamily="2" charset="-122"/>
-              </a:rPr>
-              <a:t>数组的声明：</a:t>
-            </a:r>
-            <a:endParaRPr sz="1600">
-              <a:latin typeface="宋体" panose="02010600030101010101" pitchFamily="2" charset="-122"/>
-              <a:ea typeface="宋体" panose="02010600030101010101" pitchFamily="2" charset="-122"/>
-              <a:cs typeface="宋体" panose="02010600030101010101" pitchFamily="2" charset="-122"/>
-            </a:endParaRPr>
-          </a:p>
-          <a:p>
-            <a:r>
-              <a:rPr sz="1600">
-                <a:latin typeface="宋体" panose="02010600030101010101" pitchFamily="2" charset="-122"/>
-                <a:ea typeface="宋体" panose="02010600030101010101" pitchFamily="2" charset="-122"/>
-                <a:cs typeface="宋体" panose="02010600030101010101" pitchFamily="2" charset="-122"/>
-              </a:rPr>
-              <a:t>1. 声明的时候并没有实例化任何对象，只有在实例化数组对象时，JVM才分配空间，这时才与长度有关。</a:t>
-            </a:r>
-            <a:endParaRPr sz="1600">
-              <a:latin typeface="宋体" panose="02010600030101010101" pitchFamily="2" charset="-122"/>
-              <a:ea typeface="宋体" panose="02010600030101010101" pitchFamily="2" charset="-122"/>
-              <a:cs typeface="宋体" panose="02010600030101010101" pitchFamily="2" charset="-122"/>
-            </a:endParaRPr>
-          </a:p>
-          <a:p>
-            <a:r>
-              <a:rPr sz="1600">
-                <a:latin typeface="宋体" panose="02010600030101010101" pitchFamily="2" charset="-122"/>
-                <a:ea typeface="宋体" panose="02010600030101010101" pitchFamily="2" charset="-122"/>
-                <a:cs typeface="宋体" panose="02010600030101010101" pitchFamily="2" charset="-122"/>
-              </a:rPr>
-              <a:t>2. 声明一个数组的时候并没有数组真正被创建。</a:t>
-            </a:r>
-            <a:endParaRPr sz="1600">
-              <a:latin typeface="宋体" panose="02010600030101010101" pitchFamily="2" charset="-122"/>
-              <a:ea typeface="宋体" panose="02010600030101010101" pitchFamily="2" charset="-122"/>
-              <a:cs typeface="宋体" panose="02010600030101010101" pitchFamily="2" charset="-122"/>
-            </a:endParaRPr>
-          </a:p>
-          <a:p>
-            <a:r>
-              <a:rPr sz="1600">
-                <a:latin typeface="宋体" panose="02010600030101010101" pitchFamily="2" charset="-122"/>
-                <a:ea typeface="宋体" panose="02010600030101010101" pitchFamily="2" charset="-122"/>
-                <a:cs typeface="宋体" panose="02010600030101010101" pitchFamily="2" charset="-122"/>
-              </a:rPr>
-              <a:t>3. 构造一个数组，必须指定长度。</a:t>
-            </a:r>
-            <a:endParaRPr sz="1600">
-              <a:latin typeface="宋体" panose="02010600030101010101" pitchFamily="2" charset="-122"/>
-              <a:ea typeface="宋体" panose="02010600030101010101" pitchFamily="2" charset="-122"/>
-              <a:cs typeface="宋体" panose="02010600030101010101" pitchFamily="2" charset="-122"/>
-            </a:endParaRPr>
-          </a:p>
-          <a:p>
-            <a:r>
-              <a:rPr sz="1600">
-                <a:latin typeface="宋体" panose="02010600030101010101" pitchFamily="2" charset="-122"/>
-                <a:ea typeface="宋体" panose="02010600030101010101" pitchFamily="2" charset="-122"/>
-                <a:cs typeface="宋体" panose="02010600030101010101" pitchFamily="2" charset="-122"/>
-              </a:rPr>
-              <a:t>数组格式：</a:t>
-            </a:r>
-            <a:endParaRPr sz="1600">
-              <a:latin typeface="宋体" panose="02010600030101010101" pitchFamily="2" charset="-122"/>
-              <a:ea typeface="宋体" panose="02010600030101010101" pitchFamily="2" charset="-122"/>
-              <a:cs typeface="宋体" panose="02010600030101010101" pitchFamily="2" charset="-122"/>
-            </a:endParaRPr>
-          </a:p>
-          <a:p>
-            <a:r>
-              <a:rPr sz="1600">
-                <a:latin typeface="宋体" panose="02010600030101010101" pitchFamily="2" charset="-122"/>
-                <a:ea typeface="宋体" panose="02010600030101010101" pitchFamily="2" charset="-122"/>
-                <a:cs typeface="宋体" panose="02010600030101010101" pitchFamily="2" charset="-122"/>
-              </a:rPr>
-              <a:t>元素类型[ ] 数组名 = new 元素类型 [元素个数或数组长度];   //  int [] arr = new int [3];</a:t>
-            </a:r>
-            <a:endParaRPr sz="1600">
-              <a:latin typeface="宋体" panose="02010600030101010101" pitchFamily="2" charset="-122"/>
-              <a:ea typeface="宋体" panose="02010600030101010101" pitchFamily="2" charset="-122"/>
-              <a:cs typeface="宋体" panose="02010600030101010101" pitchFamily="2" charset="-122"/>
-            </a:endParaRPr>
-          </a:p>
-          <a:p>
-            <a:r>
-              <a:rPr sz="1600">
-                <a:latin typeface="宋体" panose="02010600030101010101" pitchFamily="2" charset="-122"/>
-                <a:ea typeface="宋体" panose="02010600030101010101" pitchFamily="2" charset="-122"/>
-                <a:cs typeface="宋体" panose="02010600030101010101" pitchFamily="2" charset="-122"/>
-              </a:rPr>
-              <a:t>[]：代表这是数组类型。</a:t>
-            </a:r>
-            <a:endParaRPr sz="1600">
-              <a:latin typeface="宋体" panose="02010600030101010101" pitchFamily="2" charset="-122"/>
-              <a:ea typeface="宋体" panose="02010600030101010101" pitchFamily="2" charset="-122"/>
-              <a:cs typeface="宋体" panose="02010600030101010101" pitchFamily="2" charset="-122"/>
-            </a:endParaRPr>
-          </a:p>
-          <a:p>
-            <a:r>
-              <a:rPr sz="1600">
-                <a:latin typeface="宋体" panose="02010600030101010101" pitchFamily="2" charset="-122"/>
-                <a:ea typeface="宋体" panose="02010600030101010101" pitchFamily="2" charset="-122"/>
-                <a:cs typeface="宋体" panose="02010600030101010101" pitchFamily="2" charset="-122"/>
-              </a:rPr>
-              <a:t>数组名：一个合法的标识符，命名规范 和 局部变量 规范一致。</a:t>
-            </a:r>
-            <a:endParaRPr sz="1600">
-              <a:latin typeface="宋体" panose="02010600030101010101" pitchFamily="2" charset="-122"/>
-              <a:ea typeface="宋体" panose="02010600030101010101" pitchFamily="2" charset="-122"/>
-              <a:cs typeface="宋体" panose="02010600030101010101" pitchFamily="2" charset="-122"/>
-            </a:endParaRPr>
-          </a:p>
-          <a:p>
-            <a:r>
-              <a:rPr sz="1600">
-                <a:latin typeface="宋体" panose="02010600030101010101" pitchFamily="2" charset="-122"/>
-                <a:ea typeface="宋体" panose="02010600030101010101" pitchFamily="2" charset="-122"/>
-                <a:cs typeface="宋体" panose="02010600030101010101" pitchFamily="2" charset="-122"/>
-              </a:rPr>
-              <a:t>new：是java 的关键字。用来向JVM申请内存的。</a:t>
-            </a:r>
-            <a:endParaRPr sz="1600">
-              <a:latin typeface="宋体" panose="02010600030101010101" pitchFamily="2" charset="-122"/>
-              <a:ea typeface="宋体" panose="02010600030101010101" pitchFamily="2" charset="-122"/>
-              <a:cs typeface="宋体" panose="02010600030101010101" pitchFamily="2" charset="-122"/>
-            </a:endParaRPr>
-          </a:p>
-          <a:p>
-            <a:r>
-              <a:rPr sz="1600">
-                <a:latin typeface="宋体" panose="02010600030101010101" pitchFamily="2" charset="-122"/>
-                <a:ea typeface="宋体" panose="02010600030101010101" pitchFamily="2" charset="-122"/>
-                <a:cs typeface="宋体" panose="02010600030101010101" pitchFamily="2" charset="-122"/>
-              </a:rPr>
-              <a:t>元素类型[元素个数] ：决定了向JVM申请的内存空间的大小。 </a:t>
-            </a:r>
-            <a:endParaRPr sz="1600">
-              <a:latin typeface="宋体" panose="02010600030101010101" pitchFamily="2" charset="-122"/>
-              <a:ea typeface="宋体" panose="02010600030101010101" pitchFamily="2" charset="-122"/>
-              <a:cs typeface="宋体" panose="02010600030101010101" pitchFamily="2" charset="-122"/>
-            </a:endParaRPr>
-          </a:p>
-          <a:p>
-            <a:r>
-              <a:rPr sz="1600">
-                <a:latin typeface="宋体" panose="02010600030101010101" pitchFamily="2" charset="-122"/>
-                <a:ea typeface="宋体" panose="02010600030101010101" pitchFamily="2" charset="-122"/>
-                <a:cs typeface="宋体" panose="02010600030101010101" pitchFamily="2" charset="-122"/>
-              </a:rPr>
-              <a:t>　　　　　　　　　    大小：元素类型字节数 * 元素个数</a:t>
-            </a:r>
-            <a:endParaRPr sz="1600">
-              <a:latin typeface="宋体" panose="02010600030101010101" pitchFamily="2" charset="-122"/>
-              <a:ea typeface="宋体" panose="02010600030101010101" pitchFamily="2" charset="-122"/>
-              <a:cs typeface="宋体" panose="02010600030101010101" pitchFamily="2" charset="-122"/>
-            </a:endParaRPr>
-          </a:p>
-          <a:p>
-            <a:r>
-              <a:rPr sz="1600">
-                <a:latin typeface="宋体" panose="02010600030101010101" pitchFamily="2" charset="-122"/>
-                <a:ea typeface="宋体" panose="02010600030101010101" pitchFamily="2" charset="-122"/>
-                <a:cs typeface="宋体" panose="02010600030101010101" pitchFamily="2" charset="-122"/>
-              </a:rPr>
-              <a:t>元素的个数：只要是一个合法的java 表达式就可以。 返回一个int 类型的值即可</a:t>
-            </a:r>
-            <a:endParaRPr sz="1600">
-              <a:latin typeface="宋体" panose="02010600030101010101" pitchFamily="2" charset="-122"/>
-              <a:ea typeface="宋体" panose="02010600030101010101" pitchFamily="2" charset="-122"/>
-              <a:cs typeface="宋体" panose="02010600030101010101" pitchFamily="2" charset="-122"/>
-            </a:endParaRPr>
+        </p:txBody>
+      </p:sp>
+      <p:sp>
+        <p:nvSpPr>
+          <p:cNvPr id="3" name="文本框 2"/>
+          <p:cNvSpPr txBox="1"/>
+          <p:nvPr/>
+        </p:nvSpPr>
+        <p:spPr>
+          <a:xfrm>
+            <a:off x="268605" y="797560"/>
+            <a:ext cx="11619865" cy="583565"/>
+          </a:xfrm>
+          <a:prstGeom prst="rect">
+            <a:avLst/>
+          </a:prstGeom>
+          <a:noFill/>
+        </p:spPr>
+        <p:txBody>
+          <a:bodyPr wrap="square" rtlCol="0">
+            <a:spAutoFit/>
+          </a:bodyPr>
+          <a:p>
+            <a:pPr algn="ctr"/>
+            <a:r>
+              <a:rPr lang="zh-CN" sz="3200"/>
+              <a:t>什么是数组</a:t>
+            </a:r>
+            <a:endParaRPr lang="zh-CN" sz="3200"/>
           </a:p>
         </p:txBody>
       </p:sp>
@@ -6844,6 +6661,240 @@
 </file>
 
 <file path=ppt/slides/slide3.xml><?xml version="1.0" encoding="utf-8"?>
+<p:sld xmlns:a="http://schemas.openxmlformats.org/drawingml/2006/main" xmlns:r="http://schemas.openxmlformats.org/officeDocument/2006/relationships" xmlns:p="http://schemas.openxmlformats.org/presentationml/2006/main">
+  <p:cSld>
+    <p:bg>
+      <p:bgPr>
+        <a:blipFill rotWithShape="1">
+          <a:blip r:embed="rId1"/>
+          <a:stretch>
+            <a:fillRect/>
+          </a:stretch>
+        </a:blipFill>
+        <a:effectLst/>
+      </p:bgPr>
+    </p:bg>
+    <p:spTree>
+      <p:nvGrpSpPr>
+        <p:cNvPr id="1" name=""/>
+        <p:cNvGrpSpPr/>
+        <p:nvPr/>
+      </p:nvGrpSpPr>
+      <p:grpSpPr/>
+      <p:sp>
+        <p:nvSpPr>
+          <p:cNvPr id="2" name="文本框 1"/>
+          <p:cNvSpPr txBox="1"/>
+          <p:nvPr/>
+        </p:nvSpPr>
+        <p:spPr>
+          <a:xfrm>
+            <a:off x="158750" y="849630"/>
+            <a:ext cx="11867515" cy="3415030"/>
+          </a:xfrm>
+          <a:prstGeom prst="rect">
+            <a:avLst/>
+          </a:prstGeom>
+          <a:noFill/>
+        </p:spPr>
+        <p:txBody>
+          <a:bodyPr wrap="square" rtlCol="0">
+            <a:spAutoFit/>
+          </a:bodyPr>
+          <a:p>
+            <a:r>
+              <a:rPr>
+                <a:latin typeface="宋体" panose="02010600030101010101" pitchFamily="2" charset="-122"/>
+                <a:ea typeface="宋体" panose="02010600030101010101" pitchFamily="2" charset="-122"/>
+                <a:cs typeface="宋体" panose="02010600030101010101" pitchFamily="2" charset="-122"/>
+              </a:rPr>
+              <a:t>数组的声明：</a:t>
+            </a:r>
+            <a:endParaRPr>
+              <a:latin typeface="宋体" panose="02010600030101010101" pitchFamily="2" charset="-122"/>
+              <a:ea typeface="宋体" panose="02010600030101010101" pitchFamily="2" charset="-122"/>
+              <a:cs typeface="宋体" panose="02010600030101010101" pitchFamily="2" charset="-122"/>
+            </a:endParaRPr>
+          </a:p>
+          <a:p>
+            <a:r>
+              <a:rPr>
+                <a:latin typeface="宋体" panose="02010600030101010101" pitchFamily="2" charset="-122"/>
+                <a:ea typeface="宋体" panose="02010600030101010101" pitchFamily="2" charset="-122"/>
+                <a:cs typeface="宋体" panose="02010600030101010101" pitchFamily="2" charset="-122"/>
+              </a:rPr>
+              <a:t>1. 声明的时候并没有实例化任何对象，只有在实例化数组对象时，JVM才分配空间，这时才与长度有关。</a:t>
+            </a:r>
+            <a:endParaRPr>
+              <a:latin typeface="宋体" panose="02010600030101010101" pitchFamily="2" charset="-122"/>
+              <a:ea typeface="宋体" panose="02010600030101010101" pitchFamily="2" charset="-122"/>
+              <a:cs typeface="宋体" panose="02010600030101010101" pitchFamily="2" charset="-122"/>
+            </a:endParaRPr>
+          </a:p>
+          <a:p>
+            <a:r>
+              <a:rPr>
+                <a:latin typeface="宋体" panose="02010600030101010101" pitchFamily="2" charset="-122"/>
+                <a:ea typeface="宋体" panose="02010600030101010101" pitchFamily="2" charset="-122"/>
+                <a:cs typeface="宋体" panose="02010600030101010101" pitchFamily="2" charset="-122"/>
+              </a:rPr>
+              <a:t>2. 声明一个数组的时候并没有数组真正被创建。</a:t>
+            </a:r>
+            <a:endParaRPr>
+              <a:latin typeface="宋体" panose="02010600030101010101" pitchFamily="2" charset="-122"/>
+              <a:ea typeface="宋体" panose="02010600030101010101" pitchFamily="2" charset="-122"/>
+              <a:cs typeface="宋体" panose="02010600030101010101" pitchFamily="2" charset="-122"/>
+            </a:endParaRPr>
+          </a:p>
+          <a:p>
+            <a:r>
+              <a:rPr>
+                <a:latin typeface="宋体" panose="02010600030101010101" pitchFamily="2" charset="-122"/>
+                <a:ea typeface="宋体" panose="02010600030101010101" pitchFamily="2" charset="-122"/>
+                <a:cs typeface="宋体" panose="02010600030101010101" pitchFamily="2" charset="-122"/>
+              </a:rPr>
+              <a:t>3. 构造一个数组，必须指定长度。</a:t>
+            </a:r>
+            <a:endParaRPr>
+              <a:latin typeface="宋体" panose="02010600030101010101" pitchFamily="2" charset="-122"/>
+              <a:ea typeface="宋体" panose="02010600030101010101" pitchFamily="2" charset="-122"/>
+              <a:cs typeface="宋体" panose="02010600030101010101" pitchFamily="2" charset="-122"/>
+            </a:endParaRPr>
+          </a:p>
+          <a:p>
+            <a:r>
+              <a:rPr>
+                <a:latin typeface="宋体" panose="02010600030101010101" pitchFamily="2" charset="-122"/>
+                <a:ea typeface="宋体" panose="02010600030101010101" pitchFamily="2" charset="-122"/>
+                <a:cs typeface="宋体" panose="02010600030101010101" pitchFamily="2" charset="-122"/>
+              </a:rPr>
+              <a:t>数组格式：</a:t>
+            </a:r>
+            <a:endParaRPr>
+              <a:latin typeface="宋体" panose="02010600030101010101" pitchFamily="2" charset="-122"/>
+              <a:ea typeface="宋体" panose="02010600030101010101" pitchFamily="2" charset="-122"/>
+              <a:cs typeface="宋体" panose="02010600030101010101" pitchFamily="2" charset="-122"/>
+            </a:endParaRPr>
+          </a:p>
+          <a:p>
+            <a:r>
+              <a:rPr>
+                <a:latin typeface="宋体" panose="02010600030101010101" pitchFamily="2" charset="-122"/>
+                <a:ea typeface="宋体" panose="02010600030101010101" pitchFamily="2" charset="-122"/>
+                <a:cs typeface="宋体" panose="02010600030101010101" pitchFamily="2" charset="-122"/>
+              </a:rPr>
+              <a:t>元素类型[ ] 数组名 = new 元素类型 [元素个数或数组长度];   //  int [] arr = new int [3];</a:t>
+            </a:r>
+            <a:endParaRPr>
+              <a:latin typeface="宋体" panose="02010600030101010101" pitchFamily="2" charset="-122"/>
+              <a:ea typeface="宋体" panose="02010600030101010101" pitchFamily="2" charset="-122"/>
+              <a:cs typeface="宋体" panose="02010600030101010101" pitchFamily="2" charset="-122"/>
+            </a:endParaRPr>
+          </a:p>
+          <a:p>
+            <a:r>
+              <a:rPr>
+                <a:latin typeface="宋体" panose="02010600030101010101" pitchFamily="2" charset="-122"/>
+                <a:ea typeface="宋体" panose="02010600030101010101" pitchFamily="2" charset="-122"/>
+                <a:cs typeface="宋体" panose="02010600030101010101" pitchFamily="2" charset="-122"/>
+              </a:rPr>
+              <a:t>[]：代表这是数组类型。</a:t>
+            </a:r>
+            <a:endParaRPr>
+              <a:latin typeface="宋体" panose="02010600030101010101" pitchFamily="2" charset="-122"/>
+              <a:ea typeface="宋体" panose="02010600030101010101" pitchFamily="2" charset="-122"/>
+              <a:cs typeface="宋体" panose="02010600030101010101" pitchFamily="2" charset="-122"/>
+            </a:endParaRPr>
+          </a:p>
+          <a:p>
+            <a:r>
+              <a:rPr>
+                <a:latin typeface="宋体" panose="02010600030101010101" pitchFamily="2" charset="-122"/>
+                <a:ea typeface="宋体" panose="02010600030101010101" pitchFamily="2" charset="-122"/>
+                <a:cs typeface="宋体" panose="02010600030101010101" pitchFamily="2" charset="-122"/>
+              </a:rPr>
+              <a:t>数组名：一个合法的标识符，命名规范 和 局部变量 规范一致。</a:t>
+            </a:r>
+            <a:endParaRPr>
+              <a:latin typeface="宋体" panose="02010600030101010101" pitchFamily="2" charset="-122"/>
+              <a:ea typeface="宋体" panose="02010600030101010101" pitchFamily="2" charset="-122"/>
+              <a:cs typeface="宋体" panose="02010600030101010101" pitchFamily="2" charset="-122"/>
+            </a:endParaRPr>
+          </a:p>
+          <a:p>
+            <a:r>
+              <a:rPr>
+                <a:latin typeface="宋体" panose="02010600030101010101" pitchFamily="2" charset="-122"/>
+                <a:ea typeface="宋体" panose="02010600030101010101" pitchFamily="2" charset="-122"/>
+                <a:cs typeface="宋体" panose="02010600030101010101" pitchFamily="2" charset="-122"/>
+              </a:rPr>
+              <a:t>new：是java 的关键字。用来向JVM申请内存的。</a:t>
+            </a:r>
+            <a:endParaRPr>
+              <a:latin typeface="宋体" panose="02010600030101010101" pitchFamily="2" charset="-122"/>
+              <a:ea typeface="宋体" panose="02010600030101010101" pitchFamily="2" charset="-122"/>
+              <a:cs typeface="宋体" panose="02010600030101010101" pitchFamily="2" charset="-122"/>
+            </a:endParaRPr>
+          </a:p>
+          <a:p>
+            <a:r>
+              <a:rPr>
+                <a:latin typeface="宋体" panose="02010600030101010101" pitchFamily="2" charset="-122"/>
+                <a:ea typeface="宋体" panose="02010600030101010101" pitchFamily="2" charset="-122"/>
+                <a:cs typeface="宋体" panose="02010600030101010101" pitchFamily="2" charset="-122"/>
+              </a:rPr>
+              <a:t>元素类型[元素个数] ：决定了向JVM申请的内存空间的大小。 </a:t>
+            </a:r>
+            <a:endParaRPr>
+              <a:latin typeface="宋体" panose="02010600030101010101" pitchFamily="2" charset="-122"/>
+              <a:ea typeface="宋体" panose="02010600030101010101" pitchFamily="2" charset="-122"/>
+              <a:cs typeface="宋体" panose="02010600030101010101" pitchFamily="2" charset="-122"/>
+            </a:endParaRPr>
+          </a:p>
+          <a:p>
+            <a:r>
+              <a:rPr>
+                <a:latin typeface="宋体" panose="02010600030101010101" pitchFamily="2" charset="-122"/>
+                <a:ea typeface="宋体" panose="02010600030101010101" pitchFamily="2" charset="-122"/>
+                <a:cs typeface="宋体" panose="02010600030101010101" pitchFamily="2" charset="-122"/>
+              </a:rPr>
+              <a:t>　　　　　　　　　    大小：元素类型字节数 * 元素个数</a:t>
+            </a:r>
+            <a:endParaRPr>
+              <a:latin typeface="宋体" panose="02010600030101010101" pitchFamily="2" charset="-122"/>
+              <a:ea typeface="宋体" panose="02010600030101010101" pitchFamily="2" charset="-122"/>
+              <a:cs typeface="宋体" panose="02010600030101010101" pitchFamily="2" charset="-122"/>
+            </a:endParaRPr>
+          </a:p>
+          <a:p>
+            <a:r>
+              <a:rPr>
+                <a:latin typeface="宋体" panose="02010600030101010101" pitchFamily="2" charset="-122"/>
+                <a:ea typeface="宋体" panose="02010600030101010101" pitchFamily="2" charset="-122"/>
+                <a:cs typeface="宋体" panose="02010600030101010101" pitchFamily="2" charset="-122"/>
+              </a:rPr>
+              <a:t>元素的个数：只要是一个合法的java 表达式就可以。 返回一个int 类型的值即可</a:t>
+            </a:r>
+            <a:endParaRPr>
+              <a:latin typeface="宋体" panose="02010600030101010101" pitchFamily="2" charset="-122"/>
+              <a:ea typeface="宋体" panose="02010600030101010101" pitchFamily="2" charset="-122"/>
+              <a:cs typeface="宋体" panose="02010600030101010101" pitchFamily="2" charset="-122"/>
+            </a:endParaRPr>
+          </a:p>
+        </p:txBody>
+      </p:sp>
+    </p:spTree>
+    <p:custDataLst>
+      <p:tags r:id="rId2"/>
+    </p:custDataLst>
+  </p:cSld>
+  <p:clrMapOvr>
+    <a:masterClrMapping/>
+  </p:clrMapOvr>
+</p:sld>
+</file>
+
+<file path=ppt/slides/slide4.xml><?xml version="1.0" encoding="utf-8"?>
 <p:sld xmlns:a="http://schemas.openxmlformats.org/drawingml/2006/main" xmlns:r="http://schemas.openxmlformats.org/officeDocument/2006/relationships" xmlns:p="http://schemas.openxmlformats.org/presentationml/2006/main">
   <p:cSld>
     <p:bg>
@@ -6873,7 +6924,7 @@
         <p:spPr>
           <a:xfrm>
             <a:off x="129540" y="846455"/>
-            <a:ext cx="11922125" cy="3291840"/>
+            <a:ext cx="11922125" cy="3692525"/>
           </a:xfrm>
           <a:prstGeom prst="rect">
             <a:avLst/>
@@ -6886,14 +6937,14 @@
           </a:bodyPr>
           <a:p>
             <a:r>
-              <a:rPr lang="zh-CN" altLang="en-US" sz="1600">
+              <a:rPr lang="zh-CN" altLang="en-US">
                 <a:latin typeface="宋体" panose="02010600030101010101" pitchFamily="2" charset="-122"/>
                 <a:ea typeface="宋体" panose="02010600030101010101" pitchFamily="2" charset="-122"/>
                 <a:cs typeface="宋体" panose="02010600030101010101" pitchFamily="2" charset="-122"/>
               </a:rPr>
               <a:t>数组的优缺点：</a:t>
             </a:r>
-            <a:endParaRPr lang="zh-CN" altLang="en-US" sz="1600">
+            <a:endParaRPr lang="zh-CN" altLang="en-US">
               <a:latin typeface="宋体" panose="02010600030101010101" pitchFamily="2" charset="-122"/>
               <a:ea typeface="宋体" panose="02010600030101010101" pitchFamily="2" charset="-122"/>
               <a:cs typeface="宋体" panose="02010600030101010101" pitchFamily="2" charset="-122"/>
@@ -6901,14 +6952,14 @@
           </a:p>
           <a:p>
             <a:r>
-              <a:rPr lang="zh-CN" altLang="en-US" sz="1600">
+              <a:rPr lang="zh-CN" altLang="en-US">
                 <a:latin typeface="宋体" panose="02010600030101010101" pitchFamily="2" charset="-122"/>
                 <a:ea typeface="宋体" panose="02010600030101010101" pitchFamily="2" charset="-122"/>
                 <a:cs typeface="宋体" panose="02010600030101010101" pitchFamily="2" charset="-122"/>
               </a:rPr>
               <a:t>优点：</a:t>
             </a:r>
-            <a:endParaRPr lang="zh-CN" altLang="en-US" sz="1600">
+            <a:endParaRPr lang="zh-CN" altLang="en-US">
               <a:latin typeface="宋体" panose="02010600030101010101" pitchFamily="2" charset="-122"/>
               <a:ea typeface="宋体" panose="02010600030101010101" pitchFamily="2" charset="-122"/>
               <a:cs typeface="宋体" panose="02010600030101010101" pitchFamily="2" charset="-122"/>
@@ -6916,14 +6967,14 @@
           </a:p>
           <a:p>
             <a:r>
-              <a:rPr lang="zh-CN" altLang="en-US" sz="1600">
+              <a:rPr lang="zh-CN" altLang="en-US">
                 <a:latin typeface="宋体" panose="02010600030101010101" pitchFamily="2" charset="-122"/>
                 <a:ea typeface="宋体" panose="02010600030101010101" pitchFamily="2" charset="-122"/>
                 <a:cs typeface="宋体" panose="02010600030101010101" pitchFamily="2" charset="-122"/>
               </a:rPr>
               <a:t>1：可以保存若干个数据。</a:t>
             </a:r>
-            <a:endParaRPr lang="zh-CN" altLang="en-US" sz="1600">
+            <a:endParaRPr lang="zh-CN" altLang="en-US">
               <a:latin typeface="宋体" panose="02010600030101010101" pitchFamily="2" charset="-122"/>
               <a:ea typeface="宋体" panose="02010600030101010101" pitchFamily="2" charset="-122"/>
               <a:cs typeface="宋体" panose="02010600030101010101" pitchFamily="2" charset="-122"/>
@@ -6931,14 +6982,14 @@
           </a:p>
           <a:p>
             <a:r>
-              <a:rPr lang="zh-CN" altLang="en-US" sz="1600">
+              <a:rPr lang="zh-CN" altLang="en-US">
                 <a:latin typeface="宋体" panose="02010600030101010101" pitchFamily="2" charset="-122"/>
                 <a:ea typeface="宋体" panose="02010600030101010101" pitchFamily="2" charset="-122"/>
                 <a:cs typeface="宋体" panose="02010600030101010101" pitchFamily="2" charset="-122"/>
               </a:rPr>
               <a:t>2：随机访问的效率很高。根据下标访问元素效率高（元素连续分配空间）。</a:t>
             </a:r>
-            <a:endParaRPr lang="zh-CN" altLang="en-US" sz="1600">
+            <a:endParaRPr lang="zh-CN" altLang="en-US">
               <a:latin typeface="宋体" panose="02010600030101010101" pitchFamily="2" charset="-122"/>
               <a:ea typeface="宋体" panose="02010600030101010101" pitchFamily="2" charset="-122"/>
               <a:cs typeface="宋体" panose="02010600030101010101" pitchFamily="2" charset="-122"/>
@@ -6946,14 +6997,14 @@
           </a:p>
           <a:p>
             <a:r>
-              <a:rPr lang="zh-CN" altLang="en-US" sz="1600">
+              <a:rPr lang="zh-CN" altLang="en-US">
                 <a:latin typeface="宋体" panose="02010600030101010101" pitchFamily="2" charset="-122"/>
                 <a:ea typeface="宋体" panose="02010600030101010101" pitchFamily="2" charset="-122"/>
                 <a:cs typeface="宋体" panose="02010600030101010101" pitchFamily="2" charset="-122"/>
               </a:rPr>
               <a:t>缺点：</a:t>
             </a:r>
-            <a:endParaRPr lang="zh-CN" altLang="en-US" sz="1600">
+            <a:endParaRPr lang="zh-CN" altLang="en-US">
               <a:latin typeface="宋体" panose="02010600030101010101" pitchFamily="2" charset="-122"/>
               <a:ea typeface="宋体" panose="02010600030101010101" pitchFamily="2" charset="-122"/>
               <a:cs typeface="宋体" panose="02010600030101010101" pitchFamily="2" charset="-122"/>
@@ -6961,14 +7012,14 @@
           </a:p>
           <a:p>
             <a:r>
-              <a:rPr lang="zh-CN" altLang="en-US" sz="1600">
+              <a:rPr lang="zh-CN" altLang="en-US">
                 <a:latin typeface="宋体" panose="02010600030101010101" pitchFamily="2" charset="-122"/>
                 <a:ea typeface="宋体" panose="02010600030101010101" pitchFamily="2" charset="-122"/>
                 <a:cs typeface="宋体" panose="02010600030101010101" pitchFamily="2" charset="-122"/>
               </a:rPr>
               <a:t>1：数组的元素的类型必须一致。元素类型必须一致。</a:t>
             </a:r>
-            <a:endParaRPr lang="zh-CN" altLang="en-US" sz="1600">
+            <a:endParaRPr lang="zh-CN" altLang="en-US">
               <a:latin typeface="宋体" panose="02010600030101010101" pitchFamily="2" charset="-122"/>
               <a:ea typeface="宋体" panose="02010600030101010101" pitchFamily="2" charset="-122"/>
               <a:cs typeface="宋体" panose="02010600030101010101" pitchFamily="2" charset="-122"/>
@@ -6976,14 +7027,14 @@
           </a:p>
           <a:p>
             <a:r>
-              <a:rPr lang="zh-CN" altLang="en-US" sz="1600">
+              <a:rPr lang="zh-CN" altLang="en-US">
                 <a:latin typeface="宋体" panose="02010600030101010101" pitchFamily="2" charset="-122"/>
                 <a:ea typeface="宋体" panose="02010600030101010101" pitchFamily="2" charset="-122"/>
                 <a:cs typeface="宋体" panose="02010600030101010101" pitchFamily="2" charset="-122"/>
               </a:rPr>
               <a:t>2：连续分配空间在堆中，如果数组的元素很多，对内存的要求更加的严格。</a:t>
             </a:r>
-            <a:endParaRPr lang="zh-CN" altLang="en-US" sz="1600">
+            <a:endParaRPr lang="zh-CN" altLang="en-US">
               <a:latin typeface="宋体" panose="02010600030101010101" pitchFamily="2" charset="-122"/>
               <a:ea typeface="宋体" panose="02010600030101010101" pitchFamily="2" charset="-122"/>
               <a:cs typeface="宋体" panose="02010600030101010101" pitchFamily="2" charset="-122"/>
@@ -6991,14 +7042,14 @@
           </a:p>
           <a:p>
             <a:r>
-              <a:rPr lang="zh-CN" altLang="en-US" sz="1600">
+              <a:rPr lang="zh-CN" altLang="en-US">
                 <a:latin typeface="宋体" panose="02010600030101010101" pitchFamily="2" charset="-122"/>
                 <a:ea typeface="宋体" panose="02010600030101010101" pitchFamily="2" charset="-122"/>
                 <a:cs typeface="宋体" panose="02010600030101010101" pitchFamily="2" charset="-122"/>
               </a:rPr>
               <a:t>3：根据内容查找元素效率比较低，需要逐个比较个。</a:t>
             </a:r>
-            <a:endParaRPr lang="zh-CN" altLang="en-US" sz="1600">
+            <a:endParaRPr lang="zh-CN" altLang="en-US">
               <a:latin typeface="宋体" panose="02010600030101010101" pitchFamily="2" charset="-122"/>
               <a:ea typeface="宋体" panose="02010600030101010101" pitchFamily="2" charset="-122"/>
               <a:cs typeface="宋体" panose="02010600030101010101" pitchFamily="2" charset="-122"/>
@@ -7006,14 +7057,14 @@
           </a:p>
           <a:p>
             <a:r>
-              <a:rPr lang="zh-CN" altLang="en-US" sz="1600">
+              <a:rPr lang="zh-CN" altLang="en-US">
                 <a:latin typeface="宋体" panose="02010600030101010101" pitchFamily="2" charset="-122"/>
                 <a:ea typeface="宋体" panose="02010600030101010101" pitchFamily="2" charset="-122"/>
                 <a:cs typeface="宋体" panose="02010600030101010101" pitchFamily="2" charset="-122"/>
               </a:rPr>
               <a:t>4：删除元素、插入元素效率比较低，需要移动大量的元素。</a:t>
             </a:r>
-            <a:endParaRPr lang="zh-CN" altLang="en-US" sz="1600">
+            <a:endParaRPr lang="zh-CN" altLang="en-US">
               <a:latin typeface="宋体" panose="02010600030101010101" pitchFamily="2" charset="-122"/>
               <a:ea typeface="宋体" panose="02010600030101010101" pitchFamily="2" charset="-122"/>
               <a:cs typeface="宋体" panose="02010600030101010101" pitchFamily="2" charset="-122"/>
@@ -7021,14 +7072,14 @@
           </a:p>
           <a:p>
             <a:r>
-              <a:rPr lang="zh-CN" altLang="en-US" sz="1600">
+              <a:rPr lang="zh-CN" altLang="en-US">
                 <a:latin typeface="宋体" panose="02010600030101010101" pitchFamily="2" charset="-122"/>
                 <a:ea typeface="宋体" panose="02010600030101010101" pitchFamily="2" charset="-122"/>
                 <a:cs typeface="宋体" panose="02010600030101010101" pitchFamily="2" charset="-122"/>
               </a:rPr>
               <a:t>5：数组定长，不能自动扩容。</a:t>
             </a:r>
-            <a:endParaRPr lang="zh-CN" altLang="en-US" sz="1600">
+            <a:endParaRPr lang="zh-CN" altLang="en-US">
               <a:latin typeface="宋体" panose="02010600030101010101" pitchFamily="2" charset="-122"/>
               <a:ea typeface="宋体" panose="02010600030101010101" pitchFamily="2" charset="-122"/>
               <a:cs typeface="宋体" panose="02010600030101010101" pitchFamily="2" charset="-122"/>
@@ -7036,14 +7087,14 @@
           </a:p>
           <a:p>
             <a:r>
-              <a:rPr lang="zh-CN" altLang="en-US" sz="1600">
+              <a:rPr lang="zh-CN" altLang="en-US">
                 <a:latin typeface="宋体" panose="02010600030101010101" pitchFamily="2" charset="-122"/>
                 <a:ea typeface="宋体" panose="02010600030101010101" pitchFamily="2" charset="-122"/>
                 <a:cs typeface="宋体" panose="02010600030101010101" pitchFamily="2" charset="-122"/>
               </a:rPr>
               <a:t>6：数组没有封装，数组对象只提供了一个数组长度的属性，但是没有提供方法用来操作元素。</a:t>
             </a:r>
-            <a:endParaRPr lang="zh-CN" altLang="en-US" sz="1600">
+            <a:endParaRPr lang="zh-CN" altLang="en-US">
               <a:latin typeface="宋体" panose="02010600030101010101" pitchFamily="2" charset="-122"/>
               <a:ea typeface="宋体" panose="02010600030101010101" pitchFamily="2" charset="-122"/>
               <a:cs typeface="宋体" panose="02010600030101010101" pitchFamily="2" charset="-122"/>
@@ -7051,14 +7102,14 @@
           </a:p>
           <a:p>
             <a:r>
-              <a:rPr lang="zh-CN" altLang="en-US" sz="1600">
+              <a:rPr lang="zh-CN" altLang="en-US">
                 <a:latin typeface="宋体" panose="02010600030101010101" pitchFamily="2" charset="-122"/>
                 <a:ea typeface="宋体" panose="02010600030101010101" pitchFamily="2" charset="-122"/>
                 <a:cs typeface="宋体" panose="02010600030101010101" pitchFamily="2" charset="-122"/>
               </a:rPr>
               <a:t>java 提供了一整套的 针对不同需求的 对于容器的解决的方案。集合框架部分。不同的容器有不同的特点，满足不同的需求。数组的缺点都会被干掉。</a:t>
             </a:r>
-            <a:endParaRPr lang="zh-CN" altLang="en-US" sz="1600">
+            <a:endParaRPr lang="zh-CN" altLang="en-US">
               <a:latin typeface="宋体" panose="02010600030101010101" pitchFamily="2" charset="-122"/>
               <a:ea typeface="宋体" panose="02010600030101010101" pitchFamily="2" charset="-122"/>
               <a:cs typeface="宋体" panose="02010600030101010101" pitchFamily="2" charset="-122"/>
@@ -7077,7 +7128,7 @@
 </p:sld>
 </file>
 
-<file path=ppt/slides/slide4.xml><?xml version="1.0" encoding="utf-8"?>
+<file path=ppt/slides/slide5.xml><?xml version="1.0" encoding="utf-8"?>
 <p:sld xmlns:a="http://schemas.openxmlformats.org/drawingml/2006/main" xmlns:r="http://schemas.openxmlformats.org/officeDocument/2006/relationships" xmlns:p="http://schemas.openxmlformats.org/presentationml/2006/main">
   <p:cSld>
     <p:bg>
@@ -7106,8 +7157,8 @@
         </p:nvSpPr>
         <p:spPr>
           <a:xfrm>
-            <a:off x="257175" y="837565"/>
-            <a:ext cx="11584940" cy="2061210"/>
+            <a:off x="69850" y="1438910"/>
+            <a:ext cx="12052300" cy="1568450"/>
           </a:xfrm>
           <a:prstGeom prst="rect">
             <a:avLst/>
@@ -7118,28 +7169,6 @@
           <a:bodyPr wrap="square" rtlCol="0">
             <a:spAutoFit/>
           </a:bodyPr>
-          <a:p>
-            <a:r>
-              <a:rPr lang="zh-CN" altLang="en-US" sz="1600">
-                <a:latin typeface="宋体" panose="02010600030101010101" pitchFamily="2" charset="-122"/>
-                <a:ea typeface="宋体" panose="02010600030101010101" pitchFamily="2" charset="-122"/>
-                <a:cs typeface="宋体" panose="02010600030101010101" pitchFamily="2" charset="-122"/>
-              </a:rPr>
-              <a:t>练习冒泡排序</a:t>
-            </a:r>
-            <a:endParaRPr lang="zh-CN" altLang="en-US" sz="1600">
-              <a:latin typeface="宋体" panose="02010600030101010101" pitchFamily="2" charset="-122"/>
-              <a:ea typeface="宋体" panose="02010600030101010101" pitchFamily="2" charset="-122"/>
-              <a:cs typeface="宋体" panose="02010600030101010101" pitchFamily="2" charset="-122"/>
-            </a:endParaRPr>
-          </a:p>
-          <a:p>
-            <a:endParaRPr lang="zh-CN" altLang="en-US" sz="1600">
-              <a:latin typeface="宋体" panose="02010600030101010101" pitchFamily="2" charset="-122"/>
-              <a:ea typeface="宋体" panose="02010600030101010101" pitchFamily="2" charset="-122"/>
-              <a:cs typeface="宋体" panose="02010600030101010101" pitchFamily="2" charset="-122"/>
-            </a:endParaRPr>
-          </a:p>
           <a:p>
             <a:r>
               <a:rPr lang="zh-CN" altLang="en-US" sz="1600">
@@ -7290,6 +7319,36 @@
           </a:prstGeom>
         </p:spPr>
       </p:pic>
+      <p:sp>
+        <p:nvSpPr>
+          <p:cNvPr id="7" name="文本框 6"/>
+          <p:cNvSpPr txBox="1"/>
+          <p:nvPr/>
+        </p:nvSpPr>
+        <p:spPr>
+          <a:xfrm>
+            <a:off x="268605" y="797560"/>
+            <a:ext cx="11619865" cy="583565"/>
+          </a:xfrm>
+          <a:prstGeom prst="rect">
+            <a:avLst/>
+          </a:prstGeom>
+          <a:noFill/>
+        </p:spPr>
+        <p:txBody>
+          <a:bodyPr wrap="square" rtlCol="0">
+            <a:spAutoFit/>
+          </a:bodyPr>
+          <a:p>
+            <a:pPr algn="ctr"/>
+            <a:r>
+              <a:rPr lang="zh-CN" sz="3200"/>
+              <a:t>冒泡排序</a:t>
+            </a:r>
+            <a:endParaRPr lang="zh-CN" sz="3200"/>
+          </a:p>
+        </p:txBody>
+      </p:sp>
     </p:spTree>
     <p:custDataLst>
       <p:tags r:id="rId6"/>
@@ -7301,7 +7360,7 @@
 </p:sld>
 </file>
 
-<file path=ppt/slides/slide5.xml><?xml version="1.0" encoding="utf-8"?>
+<file path=ppt/slides/slide6.xml><?xml version="1.0" encoding="utf-8"?>
 <p:sld xmlns:a="http://schemas.openxmlformats.org/drawingml/2006/main" xmlns:r="http://schemas.openxmlformats.org/officeDocument/2006/relationships" xmlns:p="http://schemas.openxmlformats.org/presentationml/2006/main">
   <p:cSld>
     <p:bg>
@@ -7357,112 +7416,6 @@
 </p:sld>
 </file>
 
-<file path=ppt/slides/slide6.xml><?xml version="1.0" encoding="utf-8"?>
-<p:sld xmlns:a="http://schemas.openxmlformats.org/drawingml/2006/main" xmlns:r="http://schemas.openxmlformats.org/officeDocument/2006/relationships" xmlns:p="http://schemas.openxmlformats.org/presentationml/2006/main">
-  <p:cSld>
-    <p:bg>
-      <p:bgPr>
-        <a:blipFill rotWithShape="1">
-          <a:blip r:embed="rId1"/>
-          <a:stretch>
-            <a:fillRect/>
-          </a:stretch>
-        </a:blipFill>
-        <a:effectLst/>
-      </p:bgPr>
-    </p:bg>
-    <p:spTree>
-      <p:nvGrpSpPr>
-        <p:cNvPr id="1" name=""/>
-        <p:cNvGrpSpPr/>
-        <p:nvPr/>
-      </p:nvGrpSpPr>
-      <p:grpSpPr/>
-      <p:sp>
-        <p:nvSpPr>
-          <p:cNvPr id="2" name="文本框 1"/>
-          <p:cNvSpPr txBox="1"/>
-          <p:nvPr/>
-        </p:nvSpPr>
-        <p:spPr>
-          <a:xfrm>
-            <a:off x="129540" y="764540"/>
-            <a:ext cx="11885295" cy="1076325"/>
-          </a:xfrm>
-          <a:prstGeom prst="rect">
-            <a:avLst/>
-          </a:prstGeom>
-          <a:noFill/>
-        </p:spPr>
-        <p:txBody>
-          <a:bodyPr wrap="square" rtlCol="0">
-            <a:spAutoFit/>
-          </a:bodyPr>
-          <a:p>
-            <a:r>
-              <a:rPr lang="zh-CN" altLang="en-US" sz="1600">
-                <a:latin typeface="宋体" panose="02010600030101010101" pitchFamily="2" charset="-122"/>
-                <a:ea typeface="宋体" panose="02010600030101010101" pitchFamily="2" charset="-122"/>
-                <a:cs typeface="宋体" panose="02010600030101010101" pitchFamily="2" charset="-122"/>
-              </a:rPr>
-              <a:t>数组的拷贝方式有四种，分别是：</a:t>
-            </a:r>
-            <a:endParaRPr lang="zh-CN" altLang="en-US" sz="1600">
-              <a:latin typeface="宋体" panose="02010600030101010101" pitchFamily="2" charset="-122"/>
-              <a:ea typeface="宋体" panose="02010600030101010101" pitchFamily="2" charset="-122"/>
-              <a:cs typeface="宋体" panose="02010600030101010101" pitchFamily="2" charset="-122"/>
-            </a:endParaRPr>
-          </a:p>
-          <a:p>
-            <a:r>
-              <a:rPr lang="zh-CN" altLang="en-US" sz="1600">
-                <a:latin typeface="宋体" panose="02010600030101010101" pitchFamily="2" charset="-122"/>
-                <a:ea typeface="宋体" panose="02010600030101010101" pitchFamily="2" charset="-122"/>
-                <a:cs typeface="宋体" panose="02010600030101010101" pitchFamily="2" charset="-122"/>
-              </a:rPr>
-              <a:t>for循环    clone()   System.arraycopy()    Arrays.copyof()</a:t>
-            </a:r>
-            <a:endParaRPr lang="zh-CN" altLang="en-US" sz="1600">
-              <a:latin typeface="宋体" panose="02010600030101010101" pitchFamily="2" charset="-122"/>
-              <a:ea typeface="宋体" panose="02010600030101010101" pitchFamily="2" charset="-122"/>
-              <a:cs typeface="宋体" panose="02010600030101010101" pitchFamily="2" charset="-122"/>
-            </a:endParaRPr>
-          </a:p>
-          <a:p>
-            <a:endParaRPr lang="zh-CN" altLang="en-US" sz="1600">
-              <a:latin typeface="宋体" panose="02010600030101010101" pitchFamily="2" charset="-122"/>
-              <a:ea typeface="宋体" panose="02010600030101010101" pitchFamily="2" charset="-122"/>
-              <a:cs typeface="宋体" panose="02010600030101010101" pitchFamily="2" charset="-122"/>
-            </a:endParaRPr>
-          </a:p>
-          <a:p>
-            <a:r>
-              <a:rPr lang="zh-CN" altLang="en-US" sz="1600">
-                <a:latin typeface="宋体" panose="02010600030101010101" pitchFamily="2" charset="-122"/>
-                <a:ea typeface="宋体" panose="02010600030101010101" pitchFamily="2" charset="-122"/>
-                <a:cs typeface="宋体" panose="02010600030101010101" pitchFamily="2" charset="-122"/>
-              </a:rPr>
-              <a:t>Arrays.copyOfRange(),就是可以控制拷贝的范围，不过我认为可以常用System.arraycopy(),这样什么情况都可以解决</a:t>
-            </a:r>
-            <a:endParaRPr lang="zh-CN" altLang="en-US" sz="1600">
-              <a:latin typeface="宋体" panose="02010600030101010101" pitchFamily="2" charset="-122"/>
-              <a:ea typeface="宋体" panose="02010600030101010101" pitchFamily="2" charset="-122"/>
-              <a:cs typeface="宋体" panose="02010600030101010101" pitchFamily="2" charset="-122"/>
-            </a:endParaRPr>
-          </a:p>
-        </p:txBody>
-      </p:sp>
-    </p:spTree>
-    <p:custDataLst>
-      <p:tags r:id="rId2"/>
-    </p:custDataLst>
-  </p:cSld>
-  <p:clrMapOvr>
-    <a:masterClrMapping/>
-  </p:clrMapOvr>
-</p:sld>
-</file>
-
 <file path=ppt/slides/slide7.xml><?xml version="1.0" encoding="utf-8"?>
 <p:sld xmlns:a="http://schemas.openxmlformats.org/drawingml/2006/main" xmlns:r="http://schemas.openxmlformats.org/officeDocument/2006/relationships" xmlns:p="http://schemas.openxmlformats.org/presentationml/2006/main">
   <p:cSld>
@@ -7492,8 +7445,8 @@
         </p:nvSpPr>
         <p:spPr>
           <a:xfrm>
-            <a:off x="156845" y="718820"/>
-            <a:ext cx="11657965" cy="5015865"/>
+            <a:off x="135890" y="1451610"/>
+            <a:ext cx="11885295" cy="1476375"/>
           </a:xfrm>
           <a:prstGeom prst="rect">
             <a:avLst/>
@@ -7505,252 +7458,86 @@
             <a:spAutoFit/>
           </a:bodyPr>
           <a:p>
-            <a:pPr algn="l"/>
-            <a:r>
-              <a:rPr lang="zh-CN" altLang="en-US" sz="1600">
+            <a:r>
+              <a:rPr lang="zh-CN" altLang="en-US">
                 <a:latin typeface="宋体" panose="02010600030101010101" pitchFamily="2" charset="-122"/>
                 <a:ea typeface="宋体" panose="02010600030101010101" pitchFamily="2" charset="-122"/>
                 <a:cs typeface="宋体" panose="02010600030101010101" pitchFamily="2" charset="-122"/>
               </a:rPr>
-              <a:t>二维数组其实是一位数组的嵌套（每一行看做一个内层的一维数组）</a:t>
-            </a:r>
-            <a:endParaRPr lang="zh-CN" altLang="en-US" sz="1600">
+              <a:t>数组的拷贝方式有四种，分别是：</a:t>
+            </a:r>
+            <a:endParaRPr lang="zh-CN" altLang="en-US">
               <a:latin typeface="宋体" panose="02010600030101010101" pitchFamily="2" charset="-122"/>
               <a:ea typeface="宋体" panose="02010600030101010101" pitchFamily="2" charset="-122"/>
               <a:cs typeface="宋体" panose="02010600030101010101" pitchFamily="2" charset="-122"/>
             </a:endParaRPr>
           </a:p>
           <a:p>
-            <a:pPr algn="l"/>
-            <a:endParaRPr lang="zh-CN" altLang="en-US" sz="1600">
+            <a:r>
+              <a:rPr lang="zh-CN" altLang="en-US">
+                <a:latin typeface="宋体" panose="02010600030101010101" pitchFamily="2" charset="-122"/>
+                <a:ea typeface="宋体" panose="02010600030101010101" pitchFamily="2" charset="-122"/>
+                <a:cs typeface="宋体" panose="02010600030101010101" pitchFamily="2" charset="-122"/>
+              </a:rPr>
+              <a:t>for循环    clone()   System.arraycopy()    Arrays.copyof()</a:t>
+            </a:r>
+            <a:endParaRPr lang="zh-CN" altLang="en-US">
               <a:latin typeface="宋体" panose="02010600030101010101" pitchFamily="2" charset="-122"/>
               <a:ea typeface="宋体" panose="02010600030101010101" pitchFamily="2" charset="-122"/>
               <a:cs typeface="宋体" panose="02010600030101010101" pitchFamily="2" charset="-122"/>
             </a:endParaRPr>
           </a:p>
           <a:p>
-            <a:pPr algn="l"/>
-            <a:r>
-              <a:rPr lang="zh-CN" altLang="en-US" sz="1600">
+            <a:endParaRPr lang="zh-CN" altLang="en-US">
+              <a:latin typeface="宋体" panose="02010600030101010101" pitchFamily="2" charset="-122"/>
+              <a:ea typeface="宋体" panose="02010600030101010101" pitchFamily="2" charset="-122"/>
+              <a:cs typeface="宋体" panose="02010600030101010101" pitchFamily="2" charset="-122"/>
+            </a:endParaRPr>
+          </a:p>
+          <a:p>
+            <a:r>
+              <a:rPr lang="zh-CN" altLang="en-US">
                 <a:latin typeface="宋体" panose="02010600030101010101" pitchFamily="2" charset="-122"/>
                 <a:ea typeface="宋体" panose="02010600030101010101" pitchFamily="2" charset="-122"/>
                 <a:cs typeface="宋体" panose="02010600030101010101" pitchFamily="2" charset="-122"/>
               </a:rPr>
-              <a:t>两种初始化形式</a:t>
-            </a:r>
-            <a:endParaRPr lang="zh-CN" altLang="en-US" sz="1600">
+              <a:t>Arrays.copyOfRange(),就是可以控制拷贝的范围，不过我认为可以常用System.arraycopy(),这样什么情况都可以解决</a:t>
+            </a:r>
+            <a:endParaRPr lang="zh-CN" altLang="en-US">
               <a:latin typeface="宋体" panose="02010600030101010101" pitchFamily="2" charset="-122"/>
               <a:ea typeface="宋体" panose="02010600030101010101" pitchFamily="2" charset="-122"/>
               <a:cs typeface="宋体" panose="02010600030101010101" pitchFamily="2" charset="-122"/>
             </a:endParaRPr>
           </a:p>
-          <a:p>
-            <a:pPr algn="l"/>
-            <a:endParaRPr lang="zh-CN" altLang="en-US" sz="1600">
-              <a:latin typeface="宋体" panose="02010600030101010101" pitchFamily="2" charset="-122"/>
-              <a:ea typeface="宋体" panose="02010600030101010101" pitchFamily="2" charset="-122"/>
-              <a:cs typeface="宋体" panose="02010600030101010101" pitchFamily="2" charset="-122"/>
-            </a:endParaRPr>
-          </a:p>
-          <a:p>
-            <a:pPr algn="l"/>
-            <a:r>
-              <a:rPr lang="zh-CN" altLang="en-US" sz="1600">
-                <a:latin typeface="宋体" panose="02010600030101010101" pitchFamily="2" charset="-122"/>
-                <a:ea typeface="宋体" panose="02010600030101010101" pitchFamily="2" charset="-122"/>
-                <a:cs typeface="宋体" panose="02010600030101010101" pitchFamily="2" charset="-122"/>
-              </a:rPr>
-              <a:t>格式1: 动态初始化</a:t>
-            </a:r>
-            <a:endParaRPr lang="zh-CN" altLang="en-US" sz="1600">
-              <a:latin typeface="宋体" panose="02010600030101010101" pitchFamily="2" charset="-122"/>
-              <a:ea typeface="宋体" panose="02010600030101010101" pitchFamily="2" charset="-122"/>
-              <a:cs typeface="宋体" panose="02010600030101010101" pitchFamily="2" charset="-122"/>
-            </a:endParaRPr>
-          </a:p>
-          <a:p>
-            <a:pPr algn="l"/>
-            <a:r>
-              <a:rPr lang="zh-CN" altLang="en-US" sz="1600">
-                <a:latin typeface="宋体" panose="02010600030101010101" pitchFamily="2" charset="-122"/>
-                <a:ea typeface="宋体" panose="02010600030101010101" pitchFamily="2" charset="-122"/>
-                <a:cs typeface="宋体" panose="02010600030101010101" pitchFamily="2" charset="-122"/>
-              </a:rPr>
-              <a:t>数据类型 数组名 [ ][ ] = new 数据类型[m][n]</a:t>
-            </a:r>
-            <a:endParaRPr lang="zh-CN" altLang="en-US" sz="1600">
-              <a:latin typeface="宋体" panose="02010600030101010101" pitchFamily="2" charset="-122"/>
-              <a:ea typeface="宋体" panose="02010600030101010101" pitchFamily="2" charset="-122"/>
-              <a:cs typeface="宋体" panose="02010600030101010101" pitchFamily="2" charset="-122"/>
-            </a:endParaRPr>
-          </a:p>
-          <a:p>
-            <a:pPr algn="l"/>
-            <a:r>
-              <a:rPr lang="zh-CN" altLang="en-US" sz="1600">
-                <a:latin typeface="宋体" panose="02010600030101010101" pitchFamily="2" charset="-122"/>
-                <a:ea typeface="宋体" panose="02010600030101010101" pitchFamily="2" charset="-122"/>
-                <a:cs typeface="宋体" panose="02010600030101010101" pitchFamily="2" charset="-122"/>
-              </a:rPr>
-              <a:t>数据类型 [ ][ ]  数组名 = new 数据类型[m][n]</a:t>
-            </a:r>
-            <a:endParaRPr lang="zh-CN" altLang="en-US" sz="1600">
-              <a:latin typeface="宋体" panose="02010600030101010101" pitchFamily="2" charset="-122"/>
-              <a:ea typeface="宋体" panose="02010600030101010101" pitchFamily="2" charset="-122"/>
-              <a:cs typeface="宋体" panose="02010600030101010101" pitchFamily="2" charset="-122"/>
-            </a:endParaRPr>
-          </a:p>
-          <a:p>
-            <a:pPr algn="l"/>
-            <a:r>
-              <a:rPr lang="zh-CN" altLang="en-US" sz="1600">
-                <a:latin typeface="宋体" panose="02010600030101010101" pitchFamily="2" charset="-122"/>
-                <a:ea typeface="宋体" panose="02010600030101010101" pitchFamily="2" charset="-122"/>
-                <a:cs typeface="宋体" panose="02010600030101010101" pitchFamily="2" charset="-122"/>
-              </a:rPr>
-              <a:t>数据类型 [ ]   数组名 [ ] = new 数据类型[m][n]</a:t>
-            </a:r>
-            <a:endParaRPr lang="zh-CN" altLang="en-US" sz="1600">
-              <a:latin typeface="宋体" panose="02010600030101010101" pitchFamily="2" charset="-122"/>
-              <a:ea typeface="宋体" panose="02010600030101010101" pitchFamily="2" charset="-122"/>
-              <a:cs typeface="宋体" panose="02010600030101010101" pitchFamily="2" charset="-122"/>
-            </a:endParaRPr>
-          </a:p>
-          <a:p>
-            <a:pPr algn="l"/>
-            <a:endParaRPr lang="zh-CN" altLang="en-US" sz="1600">
-              <a:latin typeface="宋体" panose="02010600030101010101" pitchFamily="2" charset="-122"/>
-              <a:ea typeface="宋体" panose="02010600030101010101" pitchFamily="2" charset="-122"/>
-              <a:cs typeface="宋体" panose="02010600030101010101" pitchFamily="2" charset="-122"/>
-            </a:endParaRPr>
-          </a:p>
-          <a:p>
-            <a:pPr algn="l"/>
-            <a:r>
-              <a:rPr lang="zh-CN" altLang="en-US" sz="1600">
-                <a:latin typeface="宋体" panose="02010600030101010101" pitchFamily="2" charset="-122"/>
-                <a:ea typeface="宋体" panose="02010600030101010101" pitchFamily="2" charset="-122"/>
-                <a:cs typeface="宋体" panose="02010600030101010101" pitchFamily="2" charset="-122"/>
-              </a:rPr>
-              <a:t>举例：int [ ][ ]  arr=new  int [5][3];  也可以理解为“5行3例”</a:t>
-            </a:r>
-            <a:endParaRPr lang="zh-CN" altLang="en-US" sz="1600">
-              <a:latin typeface="宋体" panose="02010600030101010101" pitchFamily="2" charset="-122"/>
-              <a:ea typeface="宋体" panose="02010600030101010101" pitchFamily="2" charset="-122"/>
-              <a:cs typeface="宋体" panose="02010600030101010101" pitchFamily="2" charset="-122"/>
-            </a:endParaRPr>
-          </a:p>
-          <a:p>
-            <a:pPr algn="l"/>
-            <a:endParaRPr lang="zh-CN" altLang="en-US" sz="1600">
-              <a:latin typeface="宋体" panose="02010600030101010101" pitchFamily="2" charset="-122"/>
-              <a:ea typeface="宋体" panose="02010600030101010101" pitchFamily="2" charset="-122"/>
-              <a:cs typeface="宋体" panose="02010600030101010101" pitchFamily="2" charset="-122"/>
-            </a:endParaRPr>
-          </a:p>
-          <a:p>
-            <a:pPr algn="l"/>
-            <a:r>
-              <a:rPr lang="zh-CN" altLang="en-US" sz="1600">
-                <a:latin typeface="宋体" panose="02010600030101010101" pitchFamily="2" charset="-122"/>
-                <a:ea typeface="宋体" panose="02010600030101010101" pitchFamily="2" charset="-122"/>
-                <a:cs typeface="宋体" panose="02010600030101010101" pitchFamily="2" charset="-122"/>
-              </a:rPr>
-              <a:t>格式2: 静态初始化</a:t>
-            </a:r>
-            <a:endParaRPr lang="zh-CN" altLang="en-US" sz="1600">
-              <a:latin typeface="宋体" panose="02010600030101010101" pitchFamily="2" charset="-122"/>
-              <a:ea typeface="宋体" panose="02010600030101010101" pitchFamily="2" charset="-122"/>
-              <a:cs typeface="宋体" panose="02010600030101010101" pitchFamily="2" charset="-122"/>
-            </a:endParaRPr>
-          </a:p>
-          <a:p>
-            <a:pPr algn="l"/>
-            <a:r>
-              <a:rPr lang="zh-CN" altLang="en-US" sz="1600">
-                <a:latin typeface="宋体" panose="02010600030101010101" pitchFamily="2" charset="-122"/>
-                <a:ea typeface="宋体" panose="02010600030101010101" pitchFamily="2" charset="-122"/>
-                <a:cs typeface="宋体" panose="02010600030101010101" pitchFamily="2" charset="-122"/>
-              </a:rPr>
-              <a:t>数据类型 [ ][ ]   数组名 = {{元素1,元素2....},{元素1,元素2....},{元素1,元素2....}.....};</a:t>
-            </a:r>
-            <a:endParaRPr lang="zh-CN" altLang="en-US" sz="1600">
-              <a:latin typeface="宋体" panose="02010600030101010101" pitchFamily="2" charset="-122"/>
-              <a:ea typeface="宋体" panose="02010600030101010101" pitchFamily="2" charset="-122"/>
-              <a:cs typeface="宋体" panose="02010600030101010101" pitchFamily="2" charset="-122"/>
-            </a:endParaRPr>
-          </a:p>
-          <a:p>
-            <a:pPr algn="l"/>
-            <a:endParaRPr lang="zh-CN" altLang="en-US" sz="1600">
-              <a:latin typeface="宋体" panose="02010600030101010101" pitchFamily="2" charset="-122"/>
-              <a:ea typeface="宋体" panose="02010600030101010101" pitchFamily="2" charset="-122"/>
-              <a:cs typeface="宋体" panose="02010600030101010101" pitchFamily="2" charset="-122"/>
-            </a:endParaRPr>
-          </a:p>
-          <a:p>
-            <a:pPr algn="l"/>
-            <a:r>
-              <a:rPr lang="zh-CN" altLang="en-US" sz="1600">
-                <a:latin typeface="宋体" panose="02010600030101010101" pitchFamily="2" charset="-122"/>
-                <a:ea typeface="宋体" panose="02010600030101010101" pitchFamily="2" charset="-122"/>
-                <a:cs typeface="宋体" panose="02010600030101010101" pitchFamily="2" charset="-122"/>
-              </a:rPr>
-              <a:t>举例：int [ ][ ]  arr={{22,15,32,20,18},{12,21,25,19,33},{14,58,34,24,66},};</a:t>
-            </a:r>
-            <a:endParaRPr lang="zh-CN" altLang="en-US" sz="1600">
-              <a:latin typeface="宋体" panose="02010600030101010101" pitchFamily="2" charset="-122"/>
-              <a:ea typeface="宋体" panose="02010600030101010101" pitchFamily="2" charset="-122"/>
-              <a:cs typeface="宋体" panose="02010600030101010101" pitchFamily="2" charset="-122"/>
-            </a:endParaRPr>
-          </a:p>
-          <a:p>
-            <a:pPr algn="l"/>
-            <a:endParaRPr lang="zh-CN" altLang="en-US" sz="1600">
-              <a:latin typeface="宋体" panose="02010600030101010101" pitchFamily="2" charset="-122"/>
-              <a:ea typeface="宋体" panose="02010600030101010101" pitchFamily="2" charset="-122"/>
-              <a:cs typeface="宋体" panose="02010600030101010101" pitchFamily="2" charset="-122"/>
-            </a:endParaRPr>
-          </a:p>
-          <a:p>
-            <a:pPr algn="l"/>
-            <a:r>
-              <a:rPr lang="zh-CN" altLang="en-US" sz="1600">
-                <a:latin typeface="宋体" panose="02010600030101010101" pitchFamily="2" charset="-122"/>
-                <a:ea typeface="宋体" panose="02010600030101010101" pitchFamily="2" charset="-122"/>
-                <a:cs typeface="宋体" panose="02010600030101010101" pitchFamily="2" charset="-122"/>
-              </a:rPr>
-              <a:t>静态初始化可用于不规则二维数组的初始化</a:t>
-            </a:r>
-            <a:endParaRPr lang="zh-CN" altLang="en-US" sz="1600">
-              <a:latin typeface="宋体" panose="02010600030101010101" pitchFamily="2" charset="-122"/>
-              <a:ea typeface="宋体" panose="02010600030101010101" pitchFamily="2" charset="-122"/>
-              <a:cs typeface="宋体" panose="02010600030101010101" pitchFamily="2" charset="-122"/>
-            </a:endParaRPr>
-          </a:p>
-          <a:p>
-            <a:pPr algn="l"/>
-            <a:endParaRPr lang="zh-CN" altLang="en-US" sz="1600">
-              <a:latin typeface="宋体" panose="02010600030101010101" pitchFamily="2" charset="-122"/>
-              <a:ea typeface="宋体" panose="02010600030101010101" pitchFamily="2" charset="-122"/>
-              <a:cs typeface="宋体" panose="02010600030101010101" pitchFamily="2" charset="-122"/>
-            </a:endParaRPr>
-          </a:p>
-          <a:p>
-            <a:pPr algn="l"/>
-            <a:r>
-              <a:rPr lang="zh-CN" altLang="en-US" sz="1600">
-                <a:latin typeface="宋体" panose="02010600030101010101" pitchFamily="2" charset="-122"/>
-                <a:ea typeface="宋体" panose="02010600030101010101" pitchFamily="2" charset="-122"/>
-                <a:cs typeface="宋体" panose="02010600030101010101" pitchFamily="2" charset="-122"/>
-              </a:rPr>
-              <a:t>Java定义二维数组更加灵活，允许二维数组中的每行的元素个数不相等，这点与其他编程语言不同，例如下面这个二维数组，其中第1行有4个元素，第2行有3个元素，第3行有5个元素</a:t>
-            </a:r>
-            <a:endParaRPr lang="zh-CN" altLang="en-US" sz="1600">
-              <a:latin typeface="宋体" panose="02010600030101010101" pitchFamily="2" charset="-122"/>
-              <a:ea typeface="宋体" panose="02010600030101010101" pitchFamily="2" charset="-122"/>
-              <a:cs typeface="宋体" panose="02010600030101010101" pitchFamily="2" charset="-122"/>
-            </a:endParaRPr>
+        </p:txBody>
+      </p:sp>
+      <p:sp>
+        <p:nvSpPr>
+          <p:cNvPr id="7" name="文本框 6"/>
+          <p:cNvSpPr txBox="1"/>
+          <p:nvPr/>
+        </p:nvSpPr>
+        <p:spPr>
+          <a:xfrm>
+            <a:off x="268605" y="797560"/>
+            <a:ext cx="11619865" cy="583565"/>
+          </a:xfrm>
+          <a:prstGeom prst="rect">
+            <a:avLst/>
+          </a:prstGeom>
+          <a:noFill/>
+        </p:spPr>
+        <p:txBody>
+          <a:bodyPr wrap="square" rtlCol="0">
+            <a:spAutoFit/>
+          </a:bodyPr>
+          <a:p>
+            <a:pPr algn="ctr"/>
+            <a:r>
+              <a:rPr lang="zh-CN" sz="3200"/>
+              <a:t>数组拷贝</a:t>
+            </a:r>
+            <a:endParaRPr lang="zh-CN" sz="3200"/>
           </a:p>
         </p:txBody>
       </p:sp>
@@ -7786,6 +7573,306 @@
         <p:nvPr/>
       </p:nvGrpSpPr>
       <p:grpSpPr/>
+      <p:sp>
+        <p:nvSpPr>
+          <p:cNvPr id="2" name="文本框 1"/>
+          <p:cNvSpPr txBox="1"/>
+          <p:nvPr/>
+        </p:nvSpPr>
+        <p:spPr>
+          <a:xfrm>
+            <a:off x="247650" y="1445895"/>
+            <a:ext cx="11657965" cy="5015865"/>
+          </a:xfrm>
+          <a:prstGeom prst="rect">
+            <a:avLst/>
+          </a:prstGeom>
+          <a:noFill/>
+        </p:spPr>
+        <p:txBody>
+          <a:bodyPr wrap="square" rtlCol="0">
+            <a:spAutoFit/>
+          </a:bodyPr>
+          <a:p>
+            <a:pPr algn="l"/>
+            <a:r>
+              <a:rPr lang="zh-CN" altLang="en-US" sz="1600">
+                <a:latin typeface="宋体" panose="02010600030101010101" pitchFamily="2" charset="-122"/>
+                <a:ea typeface="宋体" panose="02010600030101010101" pitchFamily="2" charset="-122"/>
+                <a:cs typeface="宋体" panose="02010600030101010101" pitchFamily="2" charset="-122"/>
+              </a:rPr>
+              <a:t>二维数组其实是一位数组的嵌套（每一行看做一个内层的一维数组）</a:t>
+            </a:r>
+            <a:endParaRPr lang="zh-CN" altLang="en-US" sz="1600">
+              <a:latin typeface="宋体" panose="02010600030101010101" pitchFamily="2" charset="-122"/>
+              <a:ea typeface="宋体" panose="02010600030101010101" pitchFamily="2" charset="-122"/>
+              <a:cs typeface="宋体" panose="02010600030101010101" pitchFamily="2" charset="-122"/>
+            </a:endParaRPr>
+          </a:p>
+          <a:p>
+            <a:pPr algn="l"/>
+            <a:endParaRPr lang="zh-CN" altLang="en-US" sz="1600">
+              <a:latin typeface="宋体" panose="02010600030101010101" pitchFamily="2" charset="-122"/>
+              <a:ea typeface="宋体" panose="02010600030101010101" pitchFamily="2" charset="-122"/>
+              <a:cs typeface="宋体" panose="02010600030101010101" pitchFamily="2" charset="-122"/>
+            </a:endParaRPr>
+          </a:p>
+          <a:p>
+            <a:pPr algn="l"/>
+            <a:r>
+              <a:rPr lang="zh-CN" altLang="en-US" sz="1600">
+                <a:latin typeface="宋体" panose="02010600030101010101" pitchFamily="2" charset="-122"/>
+                <a:ea typeface="宋体" panose="02010600030101010101" pitchFamily="2" charset="-122"/>
+                <a:cs typeface="宋体" panose="02010600030101010101" pitchFamily="2" charset="-122"/>
+              </a:rPr>
+              <a:t>两种初始化形式</a:t>
+            </a:r>
+            <a:endParaRPr lang="zh-CN" altLang="en-US" sz="1600">
+              <a:latin typeface="宋体" panose="02010600030101010101" pitchFamily="2" charset="-122"/>
+              <a:ea typeface="宋体" panose="02010600030101010101" pitchFamily="2" charset="-122"/>
+              <a:cs typeface="宋体" panose="02010600030101010101" pitchFamily="2" charset="-122"/>
+            </a:endParaRPr>
+          </a:p>
+          <a:p>
+            <a:pPr algn="l"/>
+            <a:endParaRPr lang="zh-CN" altLang="en-US" sz="1600">
+              <a:latin typeface="宋体" panose="02010600030101010101" pitchFamily="2" charset="-122"/>
+              <a:ea typeface="宋体" panose="02010600030101010101" pitchFamily="2" charset="-122"/>
+              <a:cs typeface="宋体" panose="02010600030101010101" pitchFamily="2" charset="-122"/>
+            </a:endParaRPr>
+          </a:p>
+          <a:p>
+            <a:pPr algn="l"/>
+            <a:r>
+              <a:rPr lang="zh-CN" altLang="en-US" sz="1600">
+                <a:latin typeface="宋体" panose="02010600030101010101" pitchFamily="2" charset="-122"/>
+                <a:ea typeface="宋体" panose="02010600030101010101" pitchFamily="2" charset="-122"/>
+                <a:cs typeface="宋体" panose="02010600030101010101" pitchFamily="2" charset="-122"/>
+              </a:rPr>
+              <a:t>格式1: 动态初始化</a:t>
+            </a:r>
+            <a:endParaRPr lang="zh-CN" altLang="en-US" sz="1600">
+              <a:latin typeface="宋体" panose="02010600030101010101" pitchFamily="2" charset="-122"/>
+              <a:ea typeface="宋体" panose="02010600030101010101" pitchFamily="2" charset="-122"/>
+              <a:cs typeface="宋体" panose="02010600030101010101" pitchFamily="2" charset="-122"/>
+            </a:endParaRPr>
+          </a:p>
+          <a:p>
+            <a:pPr algn="l"/>
+            <a:r>
+              <a:rPr lang="zh-CN" altLang="en-US" sz="1600">
+                <a:latin typeface="宋体" panose="02010600030101010101" pitchFamily="2" charset="-122"/>
+                <a:ea typeface="宋体" panose="02010600030101010101" pitchFamily="2" charset="-122"/>
+                <a:cs typeface="宋体" panose="02010600030101010101" pitchFamily="2" charset="-122"/>
+              </a:rPr>
+              <a:t>数据类型 数组名 [ ][ ] = new 数据类型[m][n]</a:t>
+            </a:r>
+            <a:endParaRPr lang="zh-CN" altLang="en-US" sz="1600">
+              <a:latin typeface="宋体" panose="02010600030101010101" pitchFamily="2" charset="-122"/>
+              <a:ea typeface="宋体" panose="02010600030101010101" pitchFamily="2" charset="-122"/>
+              <a:cs typeface="宋体" panose="02010600030101010101" pitchFamily="2" charset="-122"/>
+            </a:endParaRPr>
+          </a:p>
+          <a:p>
+            <a:pPr algn="l"/>
+            <a:r>
+              <a:rPr lang="zh-CN" altLang="en-US" sz="1600">
+                <a:latin typeface="宋体" panose="02010600030101010101" pitchFamily="2" charset="-122"/>
+                <a:ea typeface="宋体" panose="02010600030101010101" pitchFamily="2" charset="-122"/>
+                <a:cs typeface="宋体" panose="02010600030101010101" pitchFamily="2" charset="-122"/>
+              </a:rPr>
+              <a:t>数据类型 [ ][ ]  数组名 = new 数据类型[m][n]</a:t>
+            </a:r>
+            <a:endParaRPr lang="zh-CN" altLang="en-US" sz="1600">
+              <a:latin typeface="宋体" panose="02010600030101010101" pitchFamily="2" charset="-122"/>
+              <a:ea typeface="宋体" panose="02010600030101010101" pitchFamily="2" charset="-122"/>
+              <a:cs typeface="宋体" panose="02010600030101010101" pitchFamily="2" charset="-122"/>
+            </a:endParaRPr>
+          </a:p>
+          <a:p>
+            <a:pPr algn="l"/>
+            <a:r>
+              <a:rPr lang="zh-CN" altLang="en-US" sz="1600">
+                <a:latin typeface="宋体" panose="02010600030101010101" pitchFamily="2" charset="-122"/>
+                <a:ea typeface="宋体" panose="02010600030101010101" pitchFamily="2" charset="-122"/>
+                <a:cs typeface="宋体" panose="02010600030101010101" pitchFamily="2" charset="-122"/>
+              </a:rPr>
+              <a:t>数据类型 [ ]   数组名 [ ] = new 数据类型[m][n]</a:t>
+            </a:r>
+            <a:endParaRPr lang="zh-CN" altLang="en-US" sz="1600">
+              <a:latin typeface="宋体" panose="02010600030101010101" pitchFamily="2" charset="-122"/>
+              <a:ea typeface="宋体" panose="02010600030101010101" pitchFamily="2" charset="-122"/>
+              <a:cs typeface="宋体" panose="02010600030101010101" pitchFamily="2" charset="-122"/>
+            </a:endParaRPr>
+          </a:p>
+          <a:p>
+            <a:pPr algn="l"/>
+            <a:endParaRPr lang="zh-CN" altLang="en-US" sz="1600">
+              <a:latin typeface="宋体" panose="02010600030101010101" pitchFamily="2" charset="-122"/>
+              <a:ea typeface="宋体" panose="02010600030101010101" pitchFamily="2" charset="-122"/>
+              <a:cs typeface="宋体" panose="02010600030101010101" pitchFamily="2" charset="-122"/>
+            </a:endParaRPr>
+          </a:p>
+          <a:p>
+            <a:pPr algn="l"/>
+            <a:r>
+              <a:rPr lang="zh-CN" altLang="en-US" sz="1600">
+                <a:latin typeface="宋体" panose="02010600030101010101" pitchFamily="2" charset="-122"/>
+                <a:ea typeface="宋体" panose="02010600030101010101" pitchFamily="2" charset="-122"/>
+                <a:cs typeface="宋体" panose="02010600030101010101" pitchFamily="2" charset="-122"/>
+              </a:rPr>
+              <a:t>举例：int [ ][ ]  arr=new  int [5][3];  也可以理解为“5行3例”</a:t>
+            </a:r>
+            <a:endParaRPr lang="zh-CN" altLang="en-US" sz="1600">
+              <a:latin typeface="宋体" panose="02010600030101010101" pitchFamily="2" charset="-122"/>
+              <a:ea typeface="宋体" panose="02010600030101010101" pitchFamily="2" charset="-122"/>
+              <a:cs typeface="宋体" panose="02010600030101010101" pitchFamily="2" charset="-122"/>
+            </a:endParaRPr>
+          </a:p>
+          <a:p>
+            <a:pPr algn="l"/>
+            <a:endParaRPr lang="zh-CN" altLang="en-US" sz="1600">
+              <a:latin typeface="宋体" panose="02010600030101010101" pitchFamily="2" charset="-122"/>
+              <a:ea typeface="宋体" panose="02010600030101010101" pitchFamily="2" charset="-122"/>
+              <a:cs typeface="宋体" panose="02010600030101010101" pitchFamily="2" charset="-122"/>
+            </a:endParaRPr>
+          </a:p>
+          <a:p>
+            <a:pPr algn="l"/>
+            <a:r>
+              <a:rPr lang="zh-CN" altLang="en-US" sz="1600">
+                <a:latin typeface="宋体" panose="02010600030101010101" pitchFamily="2" charset="-122"/>
+                <a:ea typeface="宋体" panose="02010600030101010101" pitchFamily="2" charset="-122"/>
+                <a:cs typeface="宋体" panose="02010600030101010101" pitchFamily="2" charset="-122"/>
+              </a:rPr>
+              <a:t>格式2: 静态初始化</a:t>
+            </a:r>
+            <a:endParaRPr lang="zh-CN" altLang="en-US" sz="1600">
+              <a:latin typeface="宋体" panose="02010600030101010101" pitchFamily="2" charset="-122"/>
+              <a:ea typeface="宋体" panose="02010600030101010101" pitchFamily="2" charset="-122"/>
+              <a:cs typeface="宋体" panose="02010600030101010101" pitchFamily="2" charset="-122"/>
+            </a:endParaRPr>
+          </a:p>
+          <a:p>
+            <a:pPr algn="l"/>
+            <a:r>
+              <a:rPr lang="zh-CN" altLang="en-US" sz="1600">
+                <a:latin typeface="宋体" panose="02010600030101010101" pitchFamily="2" charset="-122"/>
+                <a:ea typeface="宋体" panose="02010600030101010101" pitchFamily="2" charset="-122"/>
+                <a:cs typeface="宋体" panose="02010600030101010101" pitchFamily="2" charset="-122"/>
+              </a:rPr>
+              <a:t>数据类型 [ ][ ]   数组名 = {{元素1,元素2....},{元素1,元素2....},{元素1,元素2....}.....};</a:t>
+            </a:r>
+            <a:endParaRPr lang="zh-CN" altLang="en-US" sz="1600">
+              <a:latin typeface="宋体" panose="02010600030101010101" pitchFamily="2" charset="-122"/>
+              <a:ea typeface="宋体" panose="02010600030101010101" pitchFamily="2" charset="-122"/>
+              <a:cs typeface="宋体" panose="02010600030101010101" pitchFamily="2" charset="-122"/>
+            </a:endParaRPr>
+          </a:p>
+          <a:p>
+            <a:pPr algn="l"/>
+            <a:endParaRPr lang="zh-CN" altLang="en-US" sz="1600">
+              <a:latin typeface="宋体" panose="02010600030101010101" pitchFamily="2" charset="-122"/>
+              <a:ea typeface="宋体" panose="02010600030101010101" pitchFamily="2" charset="-122"/>
+              <a:cs typeface="宋体" panose="02010600030101010101" pitchFamily="2" charset="-122"/>
+            </a:endParaRPr>
+          </a:p>
+          <a:p>
+            <a:pPr algn="l"/>
+            <a:r>
+              <a:rPr lang="zh-CN" altLang="en-US" sz="1600">
+                <a:latin typeface="宋体" panose="02010600030101010101" pitchFamily="2" charset="-122"/>
+                <a:ea typeface="宋体" panose="02010600030101010101" pitchFamily="2" charset="-122"/>
+                <a:cs typeface="宋体" panose="02010600030101010101" pitchFamily="2" charset="-122"/>
+              </a:rPr>
+              <a:t>举例：int [ ][ ]  arr={{22,15,32,20,18},{12,21,25,19,33},{14,58,34,24,66},};</a:t>
+            </a:r>
+            <a:endParaRPr lang="zh-CN" altLang="en-US" sz="1600">
+              <a:latin typeface="宋体" panose="02010600030101010101" pitchFamily="2" charset="-122"/>
+              <a:ea typeface="宋体" panose="02010600030101010101" pitchFamily="2" charset="-122"/>
+              <a:cs typeface="宋体" panose="02010600030101010101" pitchFamily="2" charset="-122"/>
+            </a:endParaRPr>
+          </a:p>
+          <a:p>
+            <a:pPr algn="l"/>
+            <a:endParaRPr lang="zh-CN" altLang="en-US" sz="1600">
+              <a:latin typeface="宋体" panose="02010600030101010101" pitchFamily="2" charset="-122"/>
+              <a:ea typeface="宋体" panose="02010600030101010101" pitchFamily="2" charset="-122"/>
+              <a:cs typeface="宋体" panose="02010600030101010101" pitchFamily="2" charset="-122"/>
+            </a:endParaRPr>
+          </a:p>
+          <a:p>
+            <a:pPr algn="l"/>
+            <a:r>
+              <a:rPr lang="zh-CN" altLang="en-US" sz="1600">
+                <a:latin typeface="宋体" panose="02010600030101010101" pitchFamily="2" charset="-122"/>
+                <a:ea typeface="宋体" panose="02010600030101010101" pitchFamily="2" charset="-122"/>
+                <a:cs typeface="宋体" panose="02010600030101010101" pitchFamily="2" charset="-122"/>
+              </a:rPr>
+              <a:t>静态初始化可用于不规则二维数组的初始化</a:t>
+            </a:r>
+            <a:endParaRPr lang="zh-CN" altLang="en-US" sz="1600">
+              <a:latin typeface="宋体" panose="02010600030101010101" pitchFamily="2" charset="-122"/>
+              <a:ea typeface="宋体" panose="02010600030101010101" pitchFamily="2" charset="-122"/>
+              <a:cs typeface="宋体" panose="02010600030101010101" pitchFamily="2" charset="-122"/>
+            </a:endParaRPr>
+          </a:p>
+          <a:p>
+            <a:pPr algn="l"/>
+            <a:endParaRPr lang="zh-CN" altLang="en-US" sz="1600">
+              <a:latin typeface="宋体" panose="02010600030101010101" pitchFamily="2" charset="-122"/>
+              <a:ea typeface="宋体" panose="02010600030101010101" pitchFamily="2" charset="-122"/>
+              <a:cs typeface="宋体" panose="02010600030101010101" pitchFamily="2" charset="-122"/>
+            </a:endParaRPr>
+          </a:p>
+          <a:p>
+            <a:pPr algn="l"/>
+            <a:r>
+              <a:rPr lang="zh-CN" altLang="en-US" sz="1600">
+                <a:latin typeface="宋体" panose="02010600030101010101" pitchFamily="2" charset="-122"/>
+                <a:ea typeface="宋体" panose="02010600030101010101" pitchFamily="2" charset="-122"/>
+                <a:cs typeface="宋体" panose="02010600030101010101" pitchFamily="2" charset="-122"/>
+              </a:rPr>
+              <a:t>Java定义二维数组更加灵活，允许二维数组中的每行的元素个数不相等，这点与其他编程语言不同，例如下面这个二维数组，其中第1行有4个元素，第2行有3个元素，第3行有5个元素</a:t>
+            </a:r>
+            <a:endParaRPr lang="zh-CN" altLang="en-US" sz="1600">
+              <a:latin typeface="宋体" panose="02010600030101010101" pitchFamily="2" charset="-122"/>
+              <a:ea typeface="宋体" panose="02010600030101010101" pitchFamily="2" charset="-122"/>
+              <a:cs typeface="宋体" panose="02010600030101010101" pitchFamily="2" charset="-122"/>
+            </a:endParaRPr>
+          </a:p>
+        </p:txBody>
+      </p:sp>
+      <p:sp>
+        <p:nvSpPr>
+          <p:cNvPr id="7" name="文本框 6"/>
+          <p:cNvSpPr txBox="1"/>
+          <p:nvPr/>
+        </p:nvSpPr>
+        <p:spPr>
+          <a:xfrm>
+            <a:off x="268605" y="797560"/>
+            <a:ext cx="11619865" cy="583565"/>
+          </a:xfrm>
+          <a:prstGeom prst="rect">
+            <a:avLst/>
+          </a:prstGeom>
+          <a:noFill/>
+        </p:spPr>
+        <p:txBody>
+          <a:bodyPr wrap="square" rtlCol="0">
+            <a:spAutoFit/>
+          </a:bodyPr>
+          <a:p>
+            <a:pPr algn="ctr"/>
+            <a:r>
+              <a:rPr lang="zh-CN" sz="3200"/>
+              <a:t>二维数组</a:t>
+            </a:r>
+            <a:endParaRPr lang="zh-CN" sz="3200"/>
+          </a:p>
+        </p:txBody>
+      </p:sp>
     </p:spTree>
     <p:custDataLst>
       <p:tags r:id="rId2"/>
@@ -8921,15 +9008,6 @@
 </file>
 
 <file path=ppt/tags/tag87.xml><?xml version="1.0" encoding="utf-8"?>
-<p:tagLst xmlns:p="http://schemas.openxmlformats.org/presentationml/2006/main">
-  <p:tag name="KSO_WM_BEAUTIFY_FLAG" val="#wm#"/>
-  <p:tag name="KSO_WM_TEMPLATE_CATEGORY" val="custom"/>
-  <p:tag name="KSO_WM_TEMPLATE_INDEX" val="20203858"/>
-  <p:tag name="KSO_WM_SPECIAL_SOURCE" val="bdnull"/>
-</p:tagLst>
-</file>
-
-<file path=ppt/tags/tag88.xml><?xml version="1.0" encoding="utf-8"?>
 <p:tagLst xmlns:p="http://schemas.openxmlformats.org/presentationml/2006/main">
   <p:tag name="KSO_WM_BEAUTIFY_FLAG" val="#wm#"/>
   <p:tag name="KSO_WM_TEMPLATE_CATEGORY" val="custom"/>
